--- a/Report/presentation.pptx
+++ b/Report/presentation.pptx
@@ -4,20 +4,23 @@
   <p:sldMasterIdLst>
     <p:sldMasterId id="2147483660" r:id="rId1"/>
   </p:sldMasterIdLst>
+  <p:notesMasterIdLst>
+    <p:notesMasterId r:id="rId16"/>
+  </p:notesMasterIdLst>
   <p:sldIdLst>
     <p:sldId id="256" r:id="rId2"/>
     <p:sldId id="257" r:id="rId3"/>
     <p:sldId id="258" r:id="rId4"/>
     <p:sldId id="259" r:id="rId5"/>
     <p:sldId id="260" r:id="rId6"/>
-    <p:sldId id="261" r:id="rId7"/>
-    <p:sldId id="262" r:id="rId8"/>
-    <p:sldId id="263" r:id="rId9"/>
-    <p:sldId id="264" r:id="rId10"/>
-    <p:sldId id="265" r:id="rId11"/>
-    <p:sldId id="266" r:id="rId12"/>
-    <p:sldId id="267" r:id="rId13"/>
-    <p:sldId id="268" r:id="rId14"/>
+    <p:sldId id="263" r:id="rId7"/>
+    <p:sldId id="270" r:id="rId8"/>
+    <p:sldId id="264" r:id="rId9"/>
+    <p:sldId id="265" r:id="rId10"/>
+    <p:sldId id="266" r:id="rId11"/>
+    <p:sldId id="267" r:id="rId12"/>
+    <p:sldId id="268" r:id="rId13"/>
+    <p:sldId id="271" r:id="rId14"/>
     <p:sldId id="269" r:id="rId15"/>
   </p:sldIdLst>
   <p:sldSz cx="9144000" cy="6858000" type="screen4x3"/>
@@ -120,6 +123,579 @@
 </p:presentation>
 </file>
 
+<file path=ppt/notesMasters/notesMaster1.xml><?xml version="1.0" encoding="utf-8"?>
+<p:notesMaster xmlns:a="http://schemas.openxmlformats.org/drawingml/2006/main" xmlns:r="http://schemas.openxmlformats.org/officeDocument/2006/relationships" xmlns:p="http://schemas.openxmlformats.org/presentationml/2006/main">
+  <p:cSld>
+    <p:bg>
+      <p:bgRef idx="1001">
+        <a:schemeClr val="bg1"/>
+      </p:bgRef>
+    </p:bg>
+    <p:spTree>
+      <p:nvGrpSpPr>
+        <p:cNvPr id="1" name=""/>
+        <p:cNvGrpSpPr/>
+        <p:nvPr/>
+      </p:nvGrpSpPr>
+      <p:grpSpPr>
+        <a:xfrm>
+          <a:off x="0" y="0"/>
+          <a:ext cx="0" cy="0"/>
+          <a:chOff x="0" y="0"/>
+          <a:chExt cx="0" cy="0"/>
+        </a:xfrm>
+      </p:grpSpPr>
+      <p:sp>
+        <p:nvSpPr>
+          <p:cNvPr id="2" name="Верхний колонтитул 1"/>
+          <p:cNvSpPr>
+            <a:spLocks noGrp="1"/>
+          </p:cNvSpPr>
+          <p:nvPr>
+            <p:ph type="hdr" sz="quarter"/>
+          </p:nvPr>
+        </p:nvSpPr>
+        <p:spPr>
+          <a:xfrm>
+            <a:off x="0" y="0"/>
+            <a:ext cx="2971800" cy="457200"/>
+          </a:xfrm>
+          <a:prstGeom prst="rect">
+            <a:avLst/>
+          </a:prstGeom>
+        </p:spPr>
+        <p:txBody>
+          <a:bodyPr vert="horz" lIns="91440" tIns="45720" rIns="91440" bIns="45720" rtlCol="0"/>
+          <a:lstStyle>
+            <a:lvl1pPr algn="l">
+              <a:defRPr sz="1200"/>
+            </a:lvl1pPr>
+          </a:lstStyle>
+          <a:p>
+            <a:endParaRPr lang="ru-RU"/>
+          </a:p>
+        </p:txBody>
+      </p:sp>
+      <p:sp>
+        <p:nvSpPr>
+          <p:cNvPr id="3" name="Дата 2"/>
+          <p:cNvSpPr>
+            <a:spLocks noGrp="1"/>
+          </p:cNvSpPr>
+          <p:nvPr>
+            <p:ph type="dt" idx="1"/>
+          </p:nvPr>
+        </p:nvSpPr>
+        <p:spPr>
+          <a:xfrm>
+            <a:off x="3884613" y="0"/>
+            <a:ext cx="2971800" cy="457200"/>
+          </a:xfrm>
+          <a:prstGeom prst="rect">
+            <a:avLst/>
+          </a:prstGeom>
+        </p:spPr>
+        <p:txBody>
+          <a:bodyPr vert="horz" lIns="91440" tIns="45720" rIns="91440" bIns="45720" rtlCol="0"/>
+          <a:lstStyle>
+            <a:lvl1pPr algn="r">
+              <a:defRPr sz="1200"/>
+            </a:lvl1pPr>
+          </a:lstStyle>
+          <a:p>
+            <a:fld id="{86B2FFBF-A1B9-4A0A-9CA8-55CD6BA3D4E3}" type="datetimeFigureOut">
+              <a:rPr lang="ru-RU" smtClean="0"/>
+              <a:t>26.06.2014</a:t>
+            </a:fld>
+            <a:endParaRPr lang="ru-RU"/>
+          </a:p>
+        </p:txBody>
+      </p:sp>
+      <p:sp>
+        <p:nvSpPr>
+          <p:cNvPr id="4" name="Образ слайда 3"/>
+          <p:cNvSpPr>
+            <a:spLocks noGrp="1" noRot="1" noChangeAspect="1"/>
+          </p:cNvSpPr>
+          <p:nvPr>
+            <p:ph type="sldImg" idx="2"/>
+          </p:nvPr>
+        </p:nvSpPr>
+        <p:spPr>
+          <a:xfrm>
+            <a:off x="1143000" y="685800"/>
+            <a:ext cx="4572000" cy="3429000"/>
+          </a:xfrm>
+          <a:prstGeom prst="rect">
+            <a:avLst/>
+          </a:prstGeom>
+          <a:noFill/>
+          <a:ln w="12700">
+            <a:solidFill>
+              <a:prstClr val="black"/>
+            </a:solidFill>
+          </a:ln>
+        </p:spPr>
+        <p:txBody>
+          <a:bodyPr vert="horz" lIns="91440" tIns="45720" rIns="91440" bIns="45720" rtlCol="0" anchor="ctr"/>
+          <a:lstStyle/>
+          <a:p>
+            <a:endParaRPr lang="ru-RU"/>
+          </a:p>
+        </p:txBody>
+      </p:sp>
+      <p:sp>
+        <p:nvSpPr>
+          <p:cNvPr id="5" name="Заметки 4"/>
+          <p:cNvSpPr>
+            <a:spLocks noGrp="1"/>
+          </p:cNvSpPr>
+          <p:nvPr>
+            <p:ph type="body" sz="quarter" idx="3"/>
+          </p:nvPr>
+        </p:nvSpPr>
+        <p:spPr>
+          <a:xfrm>
+            <a:off x="685800" y="4343400"/>
+            <a:ext cx="5486400" cy="4114800"/>
+          </a:xfrm>
+          <a:prstGeom prst="rect">
+            <a:avLst/>
+          </a:prstGeom>
+        </p:spPr>
+        <p:txBody>
+          <a:bodyPr vert="horz" lIns="91440" tIns="45720" rIns="91440" bIns="45720" rtlCol="0">
+            <a:normAutofit/>
+          </a:bodyPr>
+          <a:lstStyle/>
+          <a:p>
+            <a:pPr lvl="0"/>
+            <a:r>
+              <a:rPr lang="ru-RU" smtClean="0"/>
+              <a:t>Образец текста</a:t>
+            </a:r>
+          </a:p>
+          <a:p>
+            <a:pPr lvl="1"/>
+            <a:r>
+              <a:rPr lang="ru-RU" smtClean="0"/>
+              <a:t>Второй уровень</a:t>
+            </a:r>
+          </a:p>
+          <a:p>
+            <a:pPr lvl="2"/>
+            <a:r>
+              <a:rPr lang="ru-RU" smtClean="0"/>
+              <a:t>Третий уровень</a:t>
+            </a:r>
+          </a:p>
+          <a:p>
+            <a:pPr lvl="3"/>
+            <a:r>
+              <a:rPr lang="ru-RU" smtClean="0"/>
+              <a:t>Четвертый уровень</a:t>
+            </a:r>
+          </a:p>
+          <a:p>
+            <a:pPr lvl="4"/>
+            <a:r>
+              <a:rPr lang="ru-RU" smtClean="0"/>
+              <a:t>Пятый уровень</a:t>
+            </a:r>
+            <a:endParaRPr lang="ru-RU"/>
+          </a:p>
+        </p:txBody>
+      </p:sp>
+      <p:sp>
+        <p:nvSpPr>
+          <p:cNvPr id="6" name="Нижний колонтитул 5"/>
+          <p:cNvSpPr>
+            <a:spLocks noGrp="1"/>
+          </p:cNvSpPr>
+          <p:nvPr>
+            <p:ph type="ftr" sz="quarter" idx="4"/>
+          </p:nvPr>
+        </p:nvSpPr>
+        <p:spPr>
+          <a:xfrm>
+            <a:off x="0" y="8685213"/>
+            <a:ext cx="2971800" cy="457200"/>
+          </a:xfrm>
+          <a:prstGeom prst="rect">
+            <a:avLst/>
+          </a:prstGeom>
+        </p:spPr>
+        <p:txBody>
+          <a:bodyPr vert="horz" lIns="91440" tIns="45720" rIns="91440" bIns="45720" rtlCol="0" anchor="b"/>
+          <a:lstStyle>
+            <a:lvl1pPr algn="l">
+              <a:defRPr sz="1200"/>
+            </a:lvl1pPr>
+          </a:lstStyle>
+          <a:p>
+            <a:endParaRPr lang="ru-RU"/>
+          </a:p>
+        </p:txBody>
+      </p:sp>
+      <p:sp>
+        <p:nvSpPr>
+          <p:cNvPr id="7" name="Номер слайда 6"/>
+          <p:cNvSpPr>
+            <a:spLocks noGrp="1"/>
+          </p:cNvSpPr>
+          <p:nvPr>
+            <p:ph type="sldNum" sz="quarter" idx="5"/>
+          </p:nvPr>
+        </p:nvSpPr>
+        <p:spPr>
+          <a:xfrm>
+            <a:off x="3884613" y="8685213"/>
+            <a:ext cx="2971800" cy="457200"/>
+          </a:xfrm>
+          <a:prstGeom prst="rect">
+            <a:avLst/>
+          </a:prstGeom>
+        </p:spPr>
+        <p:txBody>
+          <a:bodyPr vert="horz" lIns="91440" tIns="45720" rIns="91440" bIns="45720" rtlCol="0" anchor="b"/>
+          <a:lstStyle>
+            <a:lvl1pPr algn="r">
+              <a:defRPr sz="1200"/>
+            </a:lvl1pPr>
+          </a:lstStyle>
+          <a:p>
+            <a:fld id="{631EA974-BC62-4CAE-9030-092E37307386}" type="slidenum">
+              <a:rPr lang="ru-RU" smtClean="0"/>
+              <a:t>‹#›</a:t>
+            </a:fld>
+            <a:endParaRPr lang="ru-RU"/>
+          </a:p>
+        </p:txBody>
+      </p:sp>
+    </p:spTree>
+  </p:cSld>
+  <p:clrMap bg1="lt1" tx1="dk1" bg2="lt2" tx2="dk2" accent1="accent1" accent2="accent2" accent3="accent3" accent4="accent4" accent5="accent5" accent6="accent6" hlink="hlink" folHlink="folHlink"/>
+  <p:notesStyle>
+    <a:lvl1pPr marL="0" algn="l" defTabSz="914400" rtl="0" eaLnBrk="1" latinLnBrk="0" hangingPunct="1">
+      <a:defRPr sz="1200" kern="1200">
+        <a:solidFill>
+          <a:schemeClr val="tx1"/>
+        </a:solidFill>
+        <a:latin typeface="+mn-lt"/>
+        <a:ea typeface="+mn-ea"/>
+        <a:cs typeface="+mn-cs"/>
+      </a:defRPr>
+    </a:lvl1pPr>
+    <a:lvl2pPr marL="457200" algn="l" defTabSz="914400" rtl="0" eaLnBrk="1" latinLnBrk="0" hangingPunct="1">
+      <a:defRPr sz="1200" kern="1200">
+        <a:solidFill>
+          <a:schemeClr val="tx1"/>
+        </a:solidFill>
+        <a:latin typeface="+mn-lt"/>
+        <a:ea typeface="+mn-ea"/>
+        <a:cs typeface="+mn-cs"/>
+      </a:defRPr>
+    </a:lvl2pPr>
+    <a:lvl3pPr marL="914400" algn="l" defTabSz="914400" rtl="0" eaLnBrk="1" latinLnBrk="0" hangingPunct="1">
+      <a:defRPr sz="1200" kern="1200">
+        <a:solidFill>
+          <a:schemeClr val="tx1"/>
+        </a:solidFill>
+        <a:latin typeface="+mn-lt"/>
+        <a:ea typeface="+mn-ea"/>
+        <a:cs typeface="+mn-cs"/>
+      </a:defRPr>
+    </a:lvl3pPr>
+    <a:lvl4pPr marL="1371600" algn="l" defTabSz="914400" rtl="0" eaLnBrk="1" latinLnBrk="0" hangingPunct="1">
+      <a:defRPr sz="1200" kern="1200">
+        <a:solidFill>
+          <a:schemeClr val="tx1"/>
+        </a:solidFill>
+        <a:latin typeface="+mn-lt"/>
+        <a:ea typeface="+mn-ea"/>
+        <a:cs typeface="+mn-cs"/>
+      </a:defRPr>
+    </a:lvl4pPr>
+    <a:lvl5pPr marL="1828800" algn="l" defTabSz="914400" rtl="0" eaLnBrk="1" latinLnBrk="0" hangingPunct="1">
+      <a:defRPr sz="1200" kern="1200">
+        <a:solidFill>
+          <a:schemeClr val="tx1"/>
+        </a:solidFill>
+        <a:latin typeface="+mn-lt"/>
+        <a:ea typeface="+mn-ea"/>
+        <a:cs typeface="+mn-cs"/>
+      </a:defRPr>
+    </a:lvl5pPr>
+    <a:lvl6pPr marL="2286000" algn="l" defTabSz="914400" rtl="0" eaLnBrk="1" latinLnBrk="0" hangingPunct="1">
+      <a:defRPr sz="1200" kern="1200">
+        <a:solidFill>
+          <a:schemeClr val="tx1"/>
+        </a:solidFill>
+        <a:latin typeface="+mn-lt"/>
+        <a:ea typeface="+mn-ea"/>
+        <a:cs typeface="+mn-cs"/>
+      </a:defRPr>
+    </a:lvl6pPr>
+    <a:lvl7pPr marL="2743200" algn="l" defTabSz="914400" rtl="0" eaLnBrk="1" latinLnBrk="0" hangingPunct="1">
+      <a:defRPr sz="1200" kern="1200">
+        <a:solidFill>
+          <a:schemeClr val="tx1"/>
+        </a:solidFill>
+        <a:latin typeface="+mn-lt"/>
+        <a:ea typeface="+mn-ea"/>
+        <a:cs typeface="+mn-cs"/>
+      </a:defRPr>
+    </a:lvl7pPr>
+    <a:lvl8pPr marL="3200400" algn="l" defTabSz="914400" rtl="0" eaLnBrk="1" latinLnBrk="0" hangingPunct="1">
+      <a:defRPr sz="1200" kern="1200">
+        <a:solidFill>
+          <a:schemeClr val="tx1"/>
+        </a:solidFill>
+        <a:latin typeface="+mn-lt"/>
+        <a:ea typeface="+mn-ea"/>
+        <a:cs typeface="+mn-cs"/>
+      </a:defRPr>
+    </a:lvl8pPr>
+    <a:lvl9pPr marL="3657600" algn="l" defTabSz="914400" rtl="0" eaLnBrk="1" latinLnBrk="0" hangingPunct="1">
+      <a:defRPr sz="1200" kern="1200">
+        <a:solidFill>
+          <a:schemeClr val="tx1"/>
+        </a:solidFill>
+        <a:latin typeface="+mn-lt"/>
+        <a:ea typeface="+mn-ea"/>
+        <a:cs typeface="+mn-cs"/>
+      </a:defRPr>
+    </a:lvl9pPr>
+  </p:notesStyle>
+</p:notesMaster>
+</file>
+
+<file path=ppt/notesSlides/notesSlide1.xml><?xml version="1.0" encoding="utf-8"?>
+<p:notes xmlns:a="http://schemas.openxmlformats.org/drawingml/2006/main" xmlns:r="http://schemas.openxmlformats.org/officeDocument/2006/relationships" xmlns:p="http://schemas.openxmlformats.org/presentationml/2006/main">
+  <p:cSld>
+    <p:spTree>
+      <p:nvGrpSpPr>
+        <p:cNvPr id="1" name=""/>
+        <p:cNvGrpSpPr/>
+        <p:nvPr/>
+      </p:nvGrpSpPr>
+      <p:grpSpPr>
+        <a:xfrm>
+          <a:off x="0" y="0"/>
+          <a:ext cx="0" cy="0"/>
+          <a:chOff x="0" y="0"/>
+          <a:chExt cx="0" cy="0"/>
+        </a:xfrm>
+      </p:grpSpPr>
+      <p:sp>
+        <p:nvSpPr>
+          <p:cNvPr id="2" name="Образ слайда 1"/>
+          <p:cNvSpPr>
+            <a:spLocks noGrp="1" noRot="1" noChangeAspect="1"/>
+          </p:cNvSpPr>
+          <p:nvPr>
+            <p:ph type="sldImg"/>
+          </p:nvPr>
+        </p:nvSpPr>
+        <p:spPr/>
+      </p:sp>
+      <p:sp>
+        <p:nvSpPr>
+          <p:cNvPr id="3" name="Заметки 2"/>
+          <p:cNvSpPr>
+            <a:spLocks noGrp="1"/>
+          </p:cNvSpPr>
+          <p:nvPr>
+            <p:ph type="body" idx="1"/>
+          </p:nvPr>
+        </p:nvSpPr>
+        <p:spPr/>
+        <p:txBody>
+          <a:bodyPr>
+            <a:normAutofit/>
+          </a:bodyPr>
+          <a:lstStyle/>
+          <a:p>
+            <a:r>
+              <a:rPr lang="ru-RU" sz="1200" b="1" kern="1200" dirty="0" smtClean="0">
+                <a:solidFill>
+                  <a:schemeClr val="tx1"/>
+                </a:solidFill>
+                <a:latin typeface="+mn-lt"/>
+                <a:ea typeface="+mn-ea"/>
+                <a:cs typeface="+mn-cs"/>
+              </a:rPr>
+              <a:t>Добрый день, уважаемая комиссия!</a:t>
+            </a:r>
+            <a:endParaRPr lang="ru-RU" sz="1200" kern="1200" dirty="0" smtClean="0">
+              <a:solidFill>
+                <a:schemeClr val="tx1"/>
+              </a:solidFill>
+              <a:latin typeface="+mn-lt"/>
+              <a:ea typeface="+mn-ea"/>
+              <a:cs typeface="+mn-cs"/>
+            </a:endParaRPr>
+          </a:p>
+          <a:p>
+            <a:r>
+              <a:rPr lang="ru-RU" sz="1200" b="1" kern="1200" dirty="0" smtClean="0">
+                <a:solidFill>
+                  <a:schemeClr val="tx1"/>
+                </a:solidFill>
+                <a:latin typeface="+mn-lt"/>
+                <a:ea typeface="+mn-ea"/>
+                <a:cs typeface="+mn-cs"/>
+              </a:rPr>
+              <a:t>Вашему вниманию представляется выпускная работа на тему «Исследование графического движка </a:t>
+            </a:r>
+            <a:r>
+              <a:rPr lang="en-US" sz="1200" b="1" kern="1200" dirty="0" err="1" smtClean="0">
+                <a:solidFill>
+                  <a:schemeClr val="tx1"/>
+                </a:solidFill>
+                <a:latin typeface="+mn-lt"/>
+                <a:ea typeface="+mn-ea"/>
+                <a:cs typeface="+mn-cs"/>
+              </a:rPr>
+              <a:t>OptiX</a:t>
+            </a:r>
+            <a:r>
+              <a:rPr lang="ru-RU" sz="1200" b="1" kern="1200" dirty="0" smtClean="0">
+                <a:solidFill>
+                  <a:schemeClr val="tx1"/>
+                </a:solidFill>
+                <a:latin typeface="+mn-lt"/>
+                <a:ea typeface="+mn-ea"/>
+                <a:cs typeface="+mn-cs"/>
+              </a:rPr>
+              <a:t>»</a:t>
+            </a:r>
+            <a:endParaRPr lang="ru-RU" sz="1200" kern="1200" dirty="0" smtClean="0">
+              <a:solidFill>
+                <a:schemeClr val="tx1"/>
+              </a:solidFill>
+              <a:latin typeface="+mn-lt"/>
+              <a:ea typeface="+mn-ea"/>
+              <a:cs typeface="+mn-cs"/>
+            </a:endParaRPr>
+          </a:p>
+          <a:p>
+            <a:endParaRPr lang="ru-RU" dirty="0"/>
+          </a:p>
+        </p:txBody>
+      </p:sp>
+      <p:sp>
+        <p:nvSpPr>
+          <p:cNvPr id="4" name="Номер слайда 3"/>
+          <p:cNvSpPr>
+            <a:spLocks noGrp="1"/>
+          </p:cNvSpPr>
+          <p:nvPr>
+            <p:ph type="sldNum" sz="quarter" idx="10"/>
+          </p:nvPr>
+        </p:nvSpPr>
+        <p:spPr/>
+        <p:txBody>
+          <a:bodyPr/>
+          <a:lstStyle/>
+          <a:p>
+            <a:fld id="{631EA974-BC62-4CAE-9030-092E37307386}" type="slidenum">
+              <a:rPr lang="ru-RU" smtClean="0"/>
+              <a:t>1</a:t>
+            </a:fld>
+            <a:endParaRPr lang="ru-RU"/>
+          </a:p>
+        </p:txBody>
+      </p:sp>
+    </p:spTree>
+  </p:cSld>
+  <p:clrMapOvr>
+    <a:masterClrMapping/>
+  </p:clrMapOvr>
+</p:notes>
+</file>
+
+<file path=ppt/notesSlides/notesSlide2.xml><?xml version="1.0" encoding="utf-8"?>
+<p:notes xmlns:a="http://schemas.openxmlformats.org/drawingml/2006/main" xmlns:r="http://schemas.openxmlformats.org/officeDocument/2006/relationships" xmlns:p="http://schemas.openxmlformats.org/presentationml/2006/main">
+  <p:cSld>
+    <p:spTree>
+      <p:nvGrpSpPr>
+        <p:cNvPr id="1" name=""/>
+        <p:cNvGrpSpPr/>
+        <p:nvPr/>
+      </p:nvGrpSpPr>
+      <p:grpSpPr>
+        <a:xfrm>
+          <a:off x="0" y="0"/>
+          <a:ext cx="0" cy="0"/>
+          <a:chOff x="0" y="0"/>
+          <a:chExt cx="0" cy="0"/>
+        </a:xfrm>
+      </p:grpSpPr>
+      <p:sp>
+        <p:nvSpPr>
+          <p:cNvPr id="2" name="Образ слайда 1"/>
+          <p:cNvSpPr>
+            <a:spLocks noGrp="1" noRot="1" noChangeAspect="1"/>
+          </p:cNvSpPr>
+          <p:nvPr>
+            <p:ph type="sldImg"/>
+          </p:nvPr>
+        </p:nvSpPr>
+        <p:spPr/>
+      </p:sp>
+      <p:sp>
+        <p:nvSpPr>
+          <p:cNvPr id="3" name="Заметки 2"/>
+          <p:cNvSpPr>
+            <a:spLocks noGrp="1"/>
+          </p:cNvSpPr>
+          <p:nvPr>
+            <p:ph type="body" idx="1"/>
+          </p:nvPr>
+        </p:nvSpPr>
+        <p:spPr/>
+        <p:txBody>
+          <a:bodyPr>
+            <a:normAutofit/>
+          </a:bodyPr>
+          <a:lstStyle/>
+          <a:p>
+            <a:endParaRPr lang="ru-RU"/>
+          </a:p>
+        </p:txBody>
+      </p:sp>
+      <p:sp>
+        <p:nvSpPr>
+          <p:cNvPr id="4" name="Номер слайда 3"/>
+          <p:cNvSpPr>
+            <a:spLocks noGrp="1"/>
+          </p:cNvSpPr>
+          <p:nvPr>
+            <p:ph type="sldNum" sz="quarter" idx="10"/>
+          </p:nvPr>
+        </p:nvSpPr>
+        <p:spPr/>
+        <p:txBody>
+          <a:bodyPr/>
+          <a:lstStyle/>
+          <a:p>
+            <a:fld id="{631EA974-BC62-4CAE-9030-092E37307386}" type="slidenum">
+              <a:rPr lang="ru-RU" smtClean="0"/>
+              <a:t>2</a:t>
+            </a:fld>
+            <a:endParaRPr lang="ru-RU"/>
+          </a:p>
+        </p:txBody>
+      </p:sp>
+    </p:spTree>
+  </p:cSld>
+  <p:clrMapOvr>
+    <a:masterClrMapping/>
+  </p:clrMapOvr>
+</p:notes>
+</file>
+
 <file path=ppt/slideLayouts/slideLayout1.xml><?xml version="1.0" encoding="utf-8"?>
 <p:sldLayout xmlns:a="http://schemas.openxmlformats.org/drawingml/2006/main" xmlns:r="http://schemas.openxmlformats.org/officeDocument/2006/relationships" xmlns:p="http://schemas.openxmlformats.org/presentationml/2006/main" type="title" preserve="1">
   <p:cSld name="Титульный слайд">
@@ -293,6 +869,7 @@
           <a:p>
             <a:fld id="{7B0CCF62-FAE7-4C6C-9EBF-202AEE2623CE}" type="datetimeFigureOut">
               <a:rPr lang="ru-RU" smtClean="0"/>
+              <a:pPr/>
               <a:t>26.06.2014</a:t>
             </a:fld>
             <a:endParaRPr lang="ru-RU"/>
@@ -335,6 +912,7 @@
           <a:p>
             <a:fld id="{6D0454AD-A5BC-4885-B2C5-068EAE91AC0D}" type="slidenum">
               <a:rPr lang="ru-RU" smtClean="0"/>
+              <a:pPr/>
               <a:t>‹#›</a:t>
             </a:fld>
             <a:endParaRPr lang="ru-RU"/>
@@ -458,6 +1036,7 @@
           <a:p>
             <a:fld id="{7B0CCF62-FAE7-4C6C-9EBF-202AEE2623CE}" type="datetimeFigureOut">
               <a:rPr lang="ru-RU" smtClean="0"/>
+              <a:pPr/>
               <a:t>26.06.2014</a:t>
             </a:fld>
             <a:endParaRPr lang="ru-RU"/>
@@ -500,6 +1079,7 @@
           <a:p>
             <a:fld id="{6D0454AD-A5BC-4885-B2C5-068EAE91AC0D}" type="slidenum">
               <a:rPr lang="ru-RU" smtClean="0"/>
+              <a:pPr/>
               <a:t>‹#›</a:t>
             </a:fld>
             <a:endParaRPr lang="ru-RU"/>
@@ -633,6 +1213,7 @@
           <a:p>
             <a:fld id="{7B0CCF62-FAE7-4C6C-9EBF-202AEE2623CE}" type="datetimeFigureOut">
               <a:rPr lang="ru-RU" smtClean="0"/>
+              <a:pPr/>
               <a:t>26.06.2014</a:t>
             </a:fld>
             <a:endParaRPr lang="ru-RU"/>
@@ -675,6 +1256,7 @@
           <a:p>
             <a:fld id="{6D0454AD-A5BC-4885-B2C5-068EAE91AC0D}" type="slidenum">
               <a:rPr lang="ru-RU" smtClean="0"/>
+              <a:pPr/>
               <a:t>‹#›</a:t>
             </a:fld>
             <a:endParaRPr lang="ru-RU"/>
@@ -798,6 +1380,7 @@
           <a:p>
             <a:fld id="{7B0CCF62-FAE7-4C6C-9EBF-202AEE2623CE}" type="datetimeFigureOut">
               <a:rPr lang="ru-RU" smtClean="0"/>
+              <a:pPr/>
               <a:t>26.06.2014</a:t>
             </a:fld>
             <a:endParaRPr lang="ru-RU"/>
@@ -840,6 +1423,7 @@
           <a:p>
             <a:fld id="{6D0454AD-A5BC-4885-B2C5-068EAE91AC0D}" type="slidenum">
               <a:rPr lang="ru-RU" smtClean="0"/>
+              <a:pPr/>
               <a:t>‹#›</a:t>
             </a:fld>
             <a:endParaRPr lang="ru-RU"/>
@@ -1040,6 +1624,7 @@
           <a:p>
             <a:fld id="{7B0CCF62-FAE7-4C6C-9EBF-202AEE2623CE}" type="datetimeFigureOut">
               <a:rPr lang="ru-RU" smtClean="0"/>
+              <a:pPr/>
               <a:t>26.06.2014</a:t>
             </a:fld>
             <a:endParaRPr lang="ru-RU"/>
@@ -1082,6 +1667,7 @@
           <a:p>
             <a:fld id="{6D0454AD-A5BC-4885-B2C5-068EAE91AC0D}" type="slidenum">
               <a:rPr lang="ru-RU" smtClean="0"/>
+              <a:pPr/>
               <a:t>‹#›</a:t>
             </a:fld>
             <a:endParaRPr lang="ru-RU"/>
@@ -1304,6 +1890,7 @@
           <a:p>
             <a:fld id="{7B0CCF62-FAE7-4C6C-9EBF-202AEE2623CE}" type="datetimeFigureOut">
               <a:rPr lang="ru-RU" smtClean="0"/>
+              <a:pPr/>
               <a:t>26.06.2014</a:t>
             </a:fld>
             <a:endParaRPr lang="ru-RU"/>
@@ -1346,6 +1933,7 @@
           <a:p>
             <a:fld id="{6D0454AD-A5BC-4885-B2C5-068EAE91AC0D}" type="slidenum">
               <a:rPr lang="ru-RU" smtClean="0"/>
+              <a:pPr/>
               <a:t>‹#›</a:t>
             </a:fld>
             <a:endParaRPr lang="ru-RU"/>
@@ -1682,6 +2270,7 @@
           <a:p>
             <a:fld id="{7B0CCF62-FAE7-4C6C-9EBF-202AEE2623CE}" type="datetimeFigureOut">
               <a:rPr lang="ru-RU" smtClean="0"/>
+              <a:pPr/>
               <a:t>26.06.2014</a:t>
             </a:fld>
             <a:endParaRPr lang="ru-RU"/>
@@ -1724,6 +2313,7 @@
           <a:p>
             <a:fld id="{6D0454AD-A5BC-4885-B2C5-068EAE91AC0D}" type="slidenum">
               <a:rPr lang="ru-RU" smtClean="0"/>
+              <a:pPr/>
               <a:t>‹#›</a:t>
             </a:fld>
             <a:endParaRPr lang="ru-RU"/>
@@ -1832,6 +2422,7 @@
           <a:p>
             <a:fld id="{7B0CCF62-FAE7-4C6C-9EBF-202AEE2623CE}" type="datetimeFigureOut">
               <a:rPr lang="ru-RU" smtClean="0"/>
+              <a:pPr/>
               <a:t>26.06.2014</a:t>
             </a:fld>
             <a:endParaRPr lang="ru-RU"/>
@@ -1874,6 +2465,7 @@
           <a:p>
             <a:fld id="{6D0454AD-A5BC-4885-B2C5-068EAE91AC0D}" type="slidenum">
               <a:rPr lang="ru-RU" smtClean="0"/>
+              <a:pPr/>
               <a:t>‹#›</a:t>
             </a:fld>
             <a:endParaRPr lang="ru-RU"/>
@@ -1922,6 +2514,7 @@
           <a:p>
             <a:fld id="{7B0CCF62-FAE7-4C6C-9EBF-202AEE2623CE}" type="datetimeFigureOut">
               <a:rPr lang="ru-RU" smtClean="0"/>
+              <a:pPr/>
               <a:t>26.06.2014</a:t>
             </a:fld>
             <a:endParaRPr lang="ru-RU"/>
@@ -1964,6 +2557,7 @@
           <a:p>
             <a:fld id="{6D0454AD-A5BC-4885-B2C5-068EAE91AC0D}" type="slidenum">
               <a:rPr lang="ru-RU" smtClean="0"/>
+              <a:pPr/>
               <a:t>‹#›</a:t>
             </a:fld>
             <a:endParaRPr lang="ru-RU"/>
@@ -2183,6 +2777,7 @@
           <a:p>
             <a:fld id="{7B0CCF62-FAE7-4C6C-9EBF-202AEE2623CE}" type="datetimeFigureOut">
               <a:rPr lang="ru-RU" smtClean="0"/>
+              <a:pPr/>
               <a:t>26.06.2014</a:t>
             </a:fld>
             <a:endParaRPr lang="ru-RU"/>
@@ -2225,6 +2820,7 @@
           <a:p>
             <a:fld id="{6D0454AD-A5BC-4885-B2C5-068EAE91AC0D}" type="slidenum">
               <a:rPr lang="ru-RU" smtClean="0"/>
+              <a:pPr/>
               <a:t>‹#›</a:t>
             </a:fld>
             <a:endParaRPr lang="ru-RU"/>
@@ -2471,6 +3067,7 @@
           <a:p>
             <a:fld id="{7B0CCF62-FAE7-4C6C-9EBF-202AEE2623CE}" type="datetimeFigureOut">
               <a:rPr lang="ru-RU" smtClean="0"/>
+              <a:pPr/>
               <a:t>26.06.2014</a:t>
             </a:fld>
             <a:endParaRPr lang="ru-RU"/>
@@ -2518,6 +3115,7 @@
           <a:p>
             <a:fld id="{6D0454AD-A5BC-4885-B2C5-068EAE91AC0D}" type="slidenum">
               <a:rPr lang="ru-RU" smtClean="0"/>
+              <a:pPr/>
               <a:t>‹#›</a:t>
             </a:fld>
             <a:endParaRPr lang="ru-RU"/>
@@ -3242,6 +3840,7 @@
           <a:p>
             <a:fld id="{7B0CCF62-FAE7-4C6C-9EBF-202AEE2623CE}" type="datetimeFigureOut">
               <a:rPr lang="ru-RU" smtClean="0"/>
+              <a:pPr/>
               <a:t>26.06.2014</a:t>
             </a:fld>
             <a:endParaRPr lang="ru-RU"/>
@@ -3320,6 +3919,7 @@
           <a:p>
             <a:fld id="{6D0454AD-A5BC-4885-B2C5-068EAE91AC0D}" type="slidenum">
               <a:rPr lang="ru-RU" smtClean="0"/>
+              <a:pPr/>
               <a:t>‹#›</a:t>
             </a:fld>
             <a:endParaRPr lang="ru-RU"/>
@@ -3924,9 +4524,27 @@
           <a:lstStyle/>
           <a:p>
             <a:r>
+              <a:rPr lang="ru-RU" dirty="0" err="1" smtClean="0"/>
+              <a:t>Афффтар</a:t>
+            </a:r>
+            <a:r>
               <a:rPr lang="ru-RU" dirty="0" smtClean="0"/>
-              <a:t>Выполнил: Еличева Е.</a:t>
-            </a:r>
+              <a:t>: студент гр…</a:t>
+            </a:r>
+            <a:r>
+              <a:rPr lang="ru-RU" dirty="0" smtClean="0"/>
+              <a:t> </a:t>
+            </a:r>
+            <a:r>
+              <a:rPr lang="ru-RU" dirty="0" smtClean="0"/>
+              <a:t>Еличева Е</a:t>
+            </a:r>
+            <a:r>
+              <a:rPr lang="ru-RU" dirty="0" smtClean="0"/>
+              <a:t>.</a:t>
+            </a:r>
+          </a:p>
+          <a:p>
             <a:endParaRPr lang="ru-RU" dirty="0"/>
           </a:p>
         </p:txBody>
@@ -3947,289 +4565,6 @@
 </file>
 
 <file path=ppt/slides/slide10.xml><?xml version="1.0" encoding="utf-8"?>
-<p:sld xmlns:a="http://schemas.openxmlformats.org/drawingml/2006/main" xmlns:r="http://schemas.openxmlformats.org/officeDocument/2006/relationships" xmlns:p="http://schemas.openxmlformats.org/presentationml/2006/main">
-  <p:cSld>
-    <p:spTree>
-      <p:nvGrpSpPr>
-        <p:cNvPr id="1" name=""/>
-        <p:cNvGrpSpPr/>
-        <p:nvPr/>
-      </p:nvGrpSpPr>
-      <p:grpSpPr>
-        <a:xfrm>
-          <a:off x="0" y="0"/>
-          <a:ext cx="0" cy="0"/>
-          <a:chOff x="0" y="0"/>
-          <a:chExt cx="0" cy="0"/>
-        </a:xfrm>
-      </p:grpSpPr>
-      <p:sp>
-        <p:nvSpPr>
-          <p:cNvPr id="2" name="Заголовок 1"/>
-          <p:cNvSpPr>
-            <a:spLocks noGrp="1"/>
-          </p:cNvSpPr>
-          <p:nvPr>
-            <p:ph type="title"/>
-          </p:nvPr>
-        </p:nvSpPr>
-        <p:spPr/>
-        <p:txBody>
-          <a:bodyPr/>
-          <a:lstStyle/>
-          <a:p>
-            <a:endParaRPr lang="ru-RU" dirty="0"/>
-          </a:p>
-        </p:txBody>
-      </p:sp>
-      <p:sp>
-        <p:nvSpPr>
-          <p:cNvPr id="3" name="Содержимое 2"/>
-          <p:cNvSpPr>
-            <a:spLocks noGrp="1"/>
-          </p:cNvSpPr>
-          <p:nvPr>
-            <p:ph idx="1"/>
-          </p:nvPr>
-        </p:nvSpPr>
-        <p:spPr/>
-        <p:txBody>
-          <a:bodyPr/>
-          <a:lstStyle/>
-          <a:p>
-            <a:r>
-              <a:rPr lang="ru-RU" i="1" dirty="0" smtClean="0">
-                <a:solidFill>
-                  <a:srgbClr val="FF0000"/>
-                </a:solidFill>
-              </a:rPr>
-              <a:t>Для корректной работы с </a:t>
-            </a:r>
-            <a:r>
-              <a:rPr lang="ru-RU" i="1" dirty="0" err="1" smtClean="0">
-                <a:solidFill>
-                  <a:srgbClr val="FF0000"/>
-                </a:solidFill>
-              </a:rPr>
-              <a:t>GLUTDisplay</a:t>
-            </a:r>
-            <a:r>
-              <a:rPr lang="ru-RU" i="1" dirty="0" smtClean="0">
-                <a:solidFill>
-                  <a:srgbClr val="FF0000"/>
-                </a:solidFill>
-              </a:rPr>
-              <a:t> класс </a:t>
-            </a:r>
-            <a:r>
-              <a:rPr lang="ru-RU" i="1" dirty="0" err="1" smtClean="0">
-                <a:solidFill>
-                  <a:srgbClr val="FF0000"/>
-                </a:solidFill>
-              </a:rPr>
-              <a:t>GlassScene</a:t>
-            </a:r>
-            <a:r>
-              <a:rPr lang="ru-RU" i="1" dirty="0" smtClean="0">
-                <a:solidFill>
-                  <a:srgbClr val="FF0000"/>
-                </a:solidFill>
-              </a:rPr>
-              <a:t> должен иметь следующие методы</a:t>
-            </a:r>
-            <a:r>
-              <a:rPr lang="ru-RU" i="1" dirty="0" smtClean="0">
-                <a:solidFill>
-                  <a:srgbClr val="FF0000"/>
-                </a:solidFill>
-              </a:rPr>
-              <a:t>:</a:t>
-            </a:r>
-            <a:endParaRPr lang="en-US" i="1" dirty="0" smtClean="0">
-              <a:solidFill>
-                <a:srgbClr val="FF0000"/>
-              </a:solidFill>
-            </a:endParaRPr>
-          </a:p>
-          <a:p>
-            <a:pPr>
-              <a:buNone/>
-            </a:pPr>
-            <a:r>
-              <a:rPr lang="en-US" dirty="0" smtClean="0"/>
-              <a:t> void </a:t>
-            </a:r>
-            <a:r>
-              <a:rPr lang="en-US" dirty="0" err="1" smtClean="0"/>
-              <a:t>initScene</a:t>
-            </a:r>
-            <a:r>
-              <a:rPr lang="en-US" dirty="0" smtClean="0"/>
-              <a:t>( </a:t>
-            </a:r>
-            <a:r>
-              <a:rPr lang="en-US" dirty="0" err="1" smtClean="0"/>
-              <a:t>InitialCameraData</a:t>
-            </a:r>
-            <a:r>
-              <a:rPr lang="en-US" dirty="0" smtClean="0"/>
-              <a:t>&amp; </a:t>
-            </a:r>
-            <a:r>
-              <a:rPr lang="en-US" dirty="0" err="1" smtClean="0"/>
-              <a:t>camera_data</a:t>
-            </a:r>
-            <a:r>
-              <a:rPr lang="en-US" dirty="0" smtClean="0"/>
-              <a:t> );</a:t>
-            </a:r>
-            <a:endParaRPr lang="ru-RU" dirty="0" smtClean="0"/>
-          </a:p>
-          <a:p>
-            <a:pPr>
-              <a:buNone/>
-            </a:pPr>
-            <a:r>
-              <a:rPr lang="en-US" dirty="0" smtClean="0"/>
-              <a:t> void </a:t>
-            </a:r>
-            <a:r>
-              <a:rPr lang="en-US" dirty="0" smtClean="0"/>
-              <a:t>trace( const </a:t>
-            </a:r>
-            <a:r>
-              <a:rPr lang="en-US" dirty="0" err="1" smtClean="0"/>
-              <a:t>RayGenCameraData</a:t>
-            </a:r>
-            <a:r>
-              <a:rPr lang="en-US" dirty="0" smtClean="0"/>
-              <a:t>&amp; </a:t>
-            </a:r>
-            <a:r>
-              <a:rPr lang="en-US" dirty="0" err="1" smtClean="0"/>
-              <a:t>camera_data</a:t>
-            </a:r>
-            <a:r>
-              <a:rPr lang="en-US" dirty="0" smtClean="0"/>
-              <a:t> );</a:t>
-            </a:r>
-            <a:endParaRPr lang="ru-RU" dirty="0" smtClean="0"/>
-          </a:p>
-          <a:p>
-            <a:pPr>
-              <a:buNone/>
-            </a:pPr>
-            <a:r>
-              <a:rPr lang="en-US" dirty="0" smtClean="0"/>
-              <a:t> void </a:t>
-            </a:r>
-            <a:r>
-              <a:rPr lang="en-US" dirty="0" err="1" smtClean="0"/>
-              <a:t>doResize</a:t>
-            </a:r>
-            <a:r>
-              <a:rPr lang="en-US" dirty="0" smtClean="0"/>
-              <a:t>( unsigned </a:t>
-            </a:r>
-            <a:r>
-              <a:rPr lang="en-US" dirty="0" err="1" smtClean="0"/>
-              <a:t>int</a:t>
-            </a:r>
-            <a:r>
-              <a:rPr lang="en-US" dirty="0" smtClean="0"/>
-              <a:t> width, unsigned </a:t>
-            </a:r>
-            <a:r>
-              <a:rPr lang="en-US" dirty="0" err="1" smtClean="0"/>
-              <a:t>int</a:t>
-            </a:r>
-            <a:r>
-              <a:rPr lang="en-US" dirty="0" smtClean="0"/>
-              <a:t> depth );</a:t>
-            </a:r>
-            <a:endParaRPr lang="ru-RU" dirty="0" smtClean="0"/>
-          </a:p>
-          <a:p>
-            <a:pPr>
-              <a:buNone/>
-            </a:pPr>
-            <a:r>
-              <a:rPr lang="en-US" dirty="0" smtClean="0"/>
-              <a:t> Buffer </a:t>
-            </a:r>
-            <a:r>
-              <a:rPr lang="en-US" dirty="0" err="1" smtClean="0"/>
-              <a:t>getOutputBuffer</a:t>
-            </a:r>
-            <a:r>
-              <a:rPr lang="en-US" dirty="0" smtClean="0"/>
-              <a:t>();</a:t>
-            </a:r>
-            <a:endParaRPr lang="ru-RU" dirty="0" smtClean="0"/>
-          </a:p>
-          <a:p>
-            <a:pPr>
-              <a:buNone/>
-            </a:pPr>
-            <a:r>
-              <a:rPr lang="en-US" dirty="0" smtClean="0"/>
-              <a:t> </a:t>
-            </a:r>
-            <a:r>
-              <a:rPr lang="en-US" dirty="0" err="1" smtClean="0"/>
-              <a:t>bool</a:t>
-            </a:r>
-            <a:r>
-              <a:rPr lang="en-US" dirty="0" smtClean="0"/>
-              <a:t> </a:t>
-            </a:r>
-            <a:r>
-              <a:rPr lang="en-US" dirty="0" err="1" smtClean="0"/>
-              <a:t>keyPressed</a:t>
-            </a:r>
-            <a:r>
-              <a:rPr lang="en-US" dirty="0" smtClean="0"/>
-              <a:t>(unsigned char key, </a:t>
-            </a:r>
-            <a:r>
-              <a:rPr lang="en-US" dirty="0" err="1" smtClean="0"/>
-              <a:t>int</a:t>
-            </a:r>
-            <a:r>
-              <a:rPr lang="en-US" dirty="0" smtClean="0"/>
-              <a:t> x, </a:t>
-            </a:r>
-            <a:r>
-              <a:rPr lang="en-US" dirty="0" err="1" smtClean="0"/>
-              <a:t>int</a:t>
-            </a:r>
-            <a:r>
-              <a:rPr lang="en-US" dirty="0" smtClean="0"/>
-              <a:t> y);</a:t>
-            </a:r>
-            <a:endParaRPr lang="ru-RU" dirty="0" smtClean="0"/>
-          </a:p>
-          <a:p>
-            <a:endParaRPr lang="ru-RU" dirty="0"/>
-          </a:p>
-        </p:txBody>
-      </p:sp>
-    </p:spTree>
-  </p:cSld>
-  <p:clrMapOvr>
-    <a:masterClrMapping/>
-  </p:clrMapOvr>
-  <p:timing>
-    <p:tnLst>
-      <p:par>
-        <p:cTn id="1" dur="indefinite" restart="never" nodeType="tmRoot"/>
-      </p:par>
-    </p:tnLst>
-  </p:timing>
-</p:sld>
-</file>
-
-<file path=ppt/slides/slide11.xml><?xml version="1.0" encoding="utf-8"?>
 <p:sld xmlns:a="http://schemas.openxmlformats.org/drawingml/2006/main" xmlns:r="http://schemas.openxmlformats.org/officeDocument/2006/relationships" xmlns:p="http://schemas.openxmlformats.org/presentationml/2006/main">
   <p:cSld>
     <p:spTree>
@@ -4329,7 +4664,7 @@
 </p:sld>
 </file>
 
-<file path=ppt/slides/slide12.xml><?xml version="1.0" encoding="utf-8"?>
+<file path=ppt/slides/slide11.xml><?xml version="1.0" encoding="utf-8"?>
 <p:sld xmlns:a="http://schemas.openxmlformats.org/drawingml/2006/main" xmlns:r="http://schemas.openxmlformats.org/officeDocument/2006/relationships" xmlns:p="http://schemas.openxmlformats.org/presentationml/2006/main">
   <p:cSld>
     <p:spTree>
@@ -4431,6 +4766,296 @@
 </p:sld>
 </file>
 
+<file path=ppt/slides/slide12.xml><?xml version="1.0" encoding="utf-8"?>
+<p:sld xmlns:a="http://schemas.openxmlformats.org/drawingml/2006/main" xmlns:r="http://schemas.openxmlformats.org/officeDocument/2006/relationships" xmlns:p="http://schemas.openxmlformats.org/presentationml/2006/main">
+  <p:cSld>
+    <p:spTree>
+      <p:nvGrpSpPr>
+        <p:cNvPr id="1" name=""/>
+        <p:cNvGrpSpPr/>
+        <p:nvPr/>
+      </p:nvGrpSpPr>
+      <p:grpSpPr>
+        <a:xfrm>
+          <a:off x="0" y="0"/>
+          <a:ext cx="0" cy="0"/>
+          <a:chOff x="0" y="0"/>
+          <a:chExt cx="0" cy="0"/>
+        </a:xfrm>
+      </p:grpSpPr>
+      <p:sp>
+        <p:nvSpPr>
+          <p:cNvPr id="2" name="Заголовок 1"/>
+          <p:cNvSpPr>
+            <a:spLocks noGrp="1"/>
+          </p:cNvSpPr>
+          <p:nvPr>
+            <p:ph type="title"/>
+          </p:nvPr>
+        </p:nvSpPr>
+        <p:spPr/>
+        <p:txBody>
+          <a:bodyPr/>
+          <a:lstStyle/>
+          <a:p>
+            <a:r>
+              <a:rPr lang="ru-RU" dirty="0" smtClean="0"/>
+              <a:t>Вывод</a:t>
+            </a:r>
+            <a:endParaRPr lang="ru-RU" dirty="0"/>
+          </a:p>
+        </p:txBody>
+      </p:sp>
+      <p:sp>
+        <p:nvSpPr>
+          <p:cNvPr id="3" name="Содержимое 2"/>
+          <p:cNvSpPr>
+            <a:spLocks noGrp="1"/>
+          </p:cNvSpPr>
+          <p:nvPr>
+            <p:ph idx="1"/>
+          </p:nvPr>
+        </p:nvSpPr>
+        <p:spPr/>
+        <p:txBody>
+          <a:bodyPr>
+            <a:normAutofit fontScale="62500" lnSpcReduction="20000"/>
+          </a:bodyPr>
+          <a:lstStyle/>
+          <a:p>
+            <a:r>
+              <a:rPr lang="ru-RU" b="1" i="1" dirty="0" smtClean="0">
+                <a:solidFill>
+                  <a:srgbClr val="FF0000"/>
+                </a:solidFill>
+                <a:latin typeface="Times New Roman" pitchFamily="18" charset="0"/>
+                <a:cs typeface="Times New Roman" pitchFamily="18" charset="0"/>
+              </a:rPr>
+              <a:t>В ходе данной работы изучено следующее:</a:t>
+            </a:r>
+          </a:p>
+          <a:p>
+            <a:pPr>
+              <a:buFont typeface="Wingdings" pitchFamily="2" charset="2"/>
+              <a:buChar char="v"/>
+            </a:pPr>
+            <a:r>
+              <a:rPr lang="ru-RU" dirty="0" smtClean="0">
+                <a:latin typeface="Times New Roman" pitchFamily="18" charset="0"/>
+                <a:cs typeface="Times New Roman" pitchFamily="18" charset="0"/>
+              </a:rPr>
+              <a:t>Программно-аппаратная </a:t>
+            </a:r>
+            <a:r>
+              <a:rPr lang="ru-RU" dirty="0" smtClean="0">
+                <a:latin typeface="Times New Roman" pitchFamily="18" charset="0"/>
+                <a:cs typeface="Times New Roman" pitchFamily="18" charset="0"/>
+              </a:rPr>
+              <a:t>архитектура CUDA. Архитектура CUDA является довольно простой, но в тоже время мощной технологией для массивно-параллельных вычислений. С помощью архитектуры CUDA практически в режиме реального времени решать задачи по поиску пути в графе, аппроксимировать функции, обрабатывать большие массивы данных и т.д.</a:t>
+            </a:r>
+          </a:p>
+          <a:p>
+            <a:pPr>
+              <a:buFont typeface="Wingdings" pitchFamily="2" charset="2"/>
+              <a:buChar char="v"/>
+            </a:pPr>
+            <a:r>
+              <a:rPr lang="ru-RU" dirty="0" err="1" smtClean="0">
+                <a:latin typeface="Times New Roman" pitchFamily="18" charset="0"/>
+                <a:cs typeface="Times New Roman" pitchFamily="18" charset="0"/>
+              </a:rPr>
+              <a:t>Рассмотренны</a:t>
+            </a:r>
+            <a:r>
+              <a:rPr lang="ru-RU" dirty="0" smtClean="0">
+                <a:latin typeface="Times New Roman" pitchFamily="18" charset="0"/>
+                <a:cs typeface="Times New Roman" pitchFamily="18" charset="0"/>
+              </a:rPr>
+              <a:t> </a:t>
+            </a:r>
+            <a:r>
+              <a:rPr lang="ru-RU" dirty="0" smtClean="0">
+                <a:latin typeface="Times New Roman" pitchFamily="18" charset="0"/>
+                <a:cs typeface="Times New Roman" pitchFamily="18" charset="0"/>
+              </a:rPr>
+              <a:t>принципы функционирования графического движка </a:t>
+            </a:r>
+            <a:r>
+              <a:rPr lang="ru-RU" dirty="0" err="1" smtClean="0">
+                <a:latin typeface="Times New Roman" pitchFamily="18" charset="0"/>
+                <a:cs typeface="Times New Roman" pitchFamily="18" charset="0"/>
+              </a:rPr>
+              <a:t>OptiX</a:t>
+            </a:r>
+            <a:r>
+              <a:rPr lang="ru-RU" dirty="0" smtClean="0">
+                <a:latin typeface="Times New Roman" pitchFamily="18" charset="0"/>
+                <a:cs typeface="Times New Roman" pitchFamily="18" charset="0"/>
+              </a:rPr>
+              <a:t>. Он включает реализацию очень широкого набора основанных на трассировке лучей алгоритмов и приложений, включая интерактивный </a:t>
+            </a:r>
+            <a:r>
+              <a:rPr lang="ru-RU" dirty="0" err="1" smtClean="0">
+                <a:latin typeface="Times New Roman" pitchFamily="18" charset="0"/>
+                <a:cs typeface="Times New Roman" pitchFamily="18" charset="0"/>
+              </a:rPr>
+              <a:t>рендеринг</a:t>
+            </a:r>
+            <a:r>
+              <a:rPr lang="ru-RU" dirty="0" smtClean="0">
+                <a:latin typeface="Times New Roman" pitchFamily="18" charset="0"/>
+                <a:cs typeface="Times New Roman" pitchFamily="18" charset="0"/>
+              </a:rPr>
+              <a:t>, </a:t>
+            </a:r>
+            <a:r>
+              <a:rPr lang="ru-RU" dirty="0" err="1" smtClean="0">
+                <a:latin typeface="Times New Roman" pitchFamily="18" charset="0"/>
+                <a:cs typeface="Times New Roman" pitchFamily="18" charset="0"/>
+              </a:rPr>
+              <a:t>оффлайн</a:t>
+            </a:r>
+            <a:r>
+              <a:rPr lang="ru-RU" dirty="0" smtClean="0">
+                <a:latin typeface="Times New Roman" pitchFamily="18" charset="0"/>
+                <a:cs typeface="Times New Roman" pitchFamily="18" charset="0"/>
+              </a:rPr>
+              <a:t> </a:t>
+            </a:r>
+            <a:r>
+              <a:rPr lang="ru-RU" dirty="0" err="1" smtClean="0">
+                <a:latin typeface="Times New Roman" pitchFamily="18" charset="0"/>
+                <a:cs typeface="Times New Roman" pitchFamily="18" charset="0"/>
+              </a:rPr>
+              <a:t>рендеринг</a:t>
+            </a:r>
+            <a:r>
+              <a:rPr lang="ru-RU" dirty="0" smtClean="0">
+                <a:latin typeface="Times New Roman" pitchFamily="18" charset="0"/>
+                <a:cs typeface="Times New Roman" pitchFamily="18" charset="0"/>
+              </a:rPr>
+              <a:t>, системы обнаружения коллизий, запросы искусственного интеллекта и научного моделирования, такие как звуковое распространение. Механизм </a:t>
+            </a:r>
+            <a:r>
+              <a:rPr lang="ru-RU" dirty="0" err="1" smtClean="0">
+                <a:latin typeface="Times New Roman" pitchFamily="18" charset="0"/>
+                <a:cs typeface="Times New Roman" pitchFamily="18" charset="0"/>
+              </a:rPr>
+              <a:t>OptiX</a:t>
+            </a:r>
+            <a:r>
+              <a:rPr lang="ru-RU" dirty="0" smtClean="0">
+                <a:latin typeface="Times New Roman" pitchFamily="18" charset="0"/>
+                <a:cs typeface="Times New Roman" pitchFamily="18" charset="0"/>
+              </a:rPr>
+              <a:t> фокусируется исключительно на фундаментальных вычислениях, требуемых для трассировки лучей. Механизм </a:t>
+            </a:r>
+            <a:r>
+              <a:rPr lang="ru-RU" dirty="0" err="1" smtClean="0">
+                <a:latin typeface="Times New Roman" pitchFamily="18" charset="0"/>
+                <a:cs typeface="Times New Roman" pitchFamily="18" charset="0"/>
+              </a:rPr>
+              <a:t>OptiX</a:t>
+            </a:r>
+            <a:r>
+              <a:rPr lang="ru-RU" dirty="0" smtClean="0">
+                <a:latin typeface="Times New Roman" pitchFamily="18" charset="0"/>
+                <a:cs typeface="Times New Roman" pitchFamily="18" charset="0"/>
+              </a:rPr>
+              <a:t> демонстрирует, что большинство алгоритмов трассировки лучей могут быть реализованы, используя маленький набор легких программируемых операций. Механизм </a:t>
+            </a:r>
+            <a:r>
+              <a:rPr lang="ru-RU" dirty="0" err="1" smtClean="0">
+                <a:latin typeface="Times New Roman" pitchFamily="18" charset="0"/>
+                <a:cs typeface="Times New Roman" pitchFamily="18" charset="0"/>
+              </a:rPr>
+              <a:t>OptiX</a:t>
+            </a:r>
+            <a:r>
+              <a:rPr lang="ru-RU" dirty="0" smtClean="0">
+                <a:latin typeface="Times New Roman" pitchFamily="18" charset="0"/>
+                <a:cs typeface="Times New Roman" pitchFamily="18" charset="0"/>
+              </a:rPr>
+              <a:t> комбинирует своевременные методы компиляции со специфичным для трассировки лучей знанием, чтобы реализовать его модель программирования эффективно. </a:t>
+            </a:r>
+          </a:p>
+          <a:p>
+            <a:pPr>
+              <a:buFont typeface="Wingdings" pitchFamily="2" charset="2"/>
+              <a:buChar char="v"/>
+            </a:pPr>
+            <a:r>
+              <a:rPr lang="ru-RU" dirty="0" smtClean="0">
+                <a:latin typeface="Times New Roman" pitchFamily="18" charset="0"/>
+                <a:cs typeface="Times New Roman" pitchFamily="18" charset="0"/>
+              </a:rPr>
+              <a:t> </a:t>
+            </a:r>
+            <a:r>
+              <a:rPr lang="ru-RU" dirty="0" smtClean="0">
+                <a:latin typeface="Times New Roman" pitchFamily="18" charset="0"/>
+                <a:cs typeface="Times New Roman" pitchFamily="18" charset="0"/>
+              </a:rPr>
+              <a:t>Рассмотрены примеры, входящие в набор разработчика </a:t>
+            </a:r>
+            <a:r>
+              <a:rPr lang="ru-RU" dirty="0" err="1" smtClean="0">
+                <a:latin typeface="Times New Roman" pitchFamily="18" charset="0"/>
+                <a:cs typeface="Times New Roman" pitchFamily="18" charset="0"/>
+              </a:rPr>
+              <a:t>OptiX</a:t>
+            </a:r>
+            <a:r>
+              <a:rPr lang="ru-RU" dirty="0" smtClean="0">
+                <a:latin typeface="Times New Roman" pitchFamily="18" charset="0"/>
+                <a:cs typeface="Times New Roman" pitchFamily="18" charset="0"/>
+              </a:rPr>
+              <a:t>.</a:t>
+            </a:r>
+          </a:p>
+          <a:p>
+            <a:pPr>
+              <a:buFont typeface="Wingdings" pitchFamily="2" charset="2"/>
+              <a:buChar char="v"/>
+            </a:pPr>
+            <a:r>
+              <a:rPr lang="ru-RU" dirty="0" smtClean="0">
+                <a:latin typeface="Times New Roman" pitchFamily="18" charset="0"/>
+                <a:cs typeface="Times New Roman" pitchFamily="18" charset="0"/>
+              </a:rPr>
+              <a:t> </a:t>
+            </a:r>
+            <a:r>
+              <a:rPr lang="ru-RU" dirty="0" smtClean="0">
+                <a:latin typeface="Times New Roman" pitchFamily="18" charset="0"/>
+                <a:cs typeface="Times New Roman" pitchFamily="18" charset="0"/>
+              </a:rPr>
+              <a:t>На основе полученной информации разработано демонстрационное приложение. </a:t>
+            </a:r>
+          </a:p>
+          <a:p>
+            <a:pPr>
+              <a:buNone/>
+            </a:pPr>
+            <a:endParaRPr lang="ru-RU" dirty="0"/>
+          </a:p>
+        </p:txBody>
+      </p:sp>
+    </p:spTree>
+  </p:cSld>
+  <p:clrMapOvr>
+    <a:masterClrMapping/>
+  </p:clrMapOvr>
+  <p:timing>
+    <p:tnLst>
+      <p:par>
+        <p:cTn id="1" dur="indefinite" restart="never" nodeType="tmRoot"/>
+      </p:par>
+    </p:tnLst>
+  </p:timing>
+</p:sld>
+</file>
+
 <file path=ppt/slides/slide13.xml><?xml version="1.0" encoding="utf-8"?>
 <p:sld xmlns:a="http://schemas.openxmlformats.org/drawingml/2006/main" xmlns:r="http://schemas.openxmlformats.org/officeDocument/2006/relationships" xmlns:p="http://schemas.openxmlformats.org/presentationml/2006/main">
   <p:cSld>
@@ -4465,7 +5090,7 @@
           <a:p>
             <a:r>
               <a:rPr lang="ru-RU" dirty="0" smtClean="0"/>
-              <a:t>Вывод</a:t>
+              <a:t>Перспективы</a:t>
             </a:r>
             <a:endParaRPr lang="ru-RU" dirty="0"/>
           </a:p>
@@ -4483,58 +5108,56 @@
         </p:nvSpPr>
         <p:spPr/>
         <p:txBody>
-          <a:bodyPr>
-            <a:normAutofit fontScale="62500" lnSpcReduction="20000"/>
-          </a:bodyPr>
+          <a:bodyPr/>
           <a:lstStyle/>
           <a:p>
             <a:r>
-              <a:rPr lang="ru-RU" dirty="0" smtClean="0"/>
-              <a:t>В ходе данной работы изучено следующее:</a:t>
-            </a:r>
-          </a:p>
-          <a:p>
-            <a:pPr>
-              <a:buFont typeface="Wingdings" pitchFamily="2" charset="2"/>
-              <a:buChar char="v"/>
-            </a:pPr>
-            <a:r>
-              <a:rPr lang="ru-RU" dirty="0" smtClean="0"/>
-              <a:t>1. </a:t>
-            </a:r>
-            <a:r>
-              <a:rPr lang="ru-RU" dirty="0" smtClean="0"/>
-              <a:t>Программно-аппаратная архитектура CUDA. Архитектура CUDA является довольно простой, но в тоже время мощной технологией для массивно-параллельных вычислений. С помощью архитектуры CUDA практически в режиме реального времени решать задачи по поиску пути в графе, аппроксимировать функции, обрабатывать большие массивы данных и т.д.</a:t>
-            </a:r>
-          </a:p>
-          <a:p>
-            <a:pPr>
-              <a:buFont typeface="Wingdings" pitchFamily="2" charset="2"/>
-              <a:buChar char="v"/>
-            </a:pPr>
-            <a:r>
-              <a:rPr lang="ru-RU" dirty="0" smtClean="0"/>
-              <a:t>2.</a:t>
+              <a:rPr lang="ru-RU" dirty="0" err="1" smtClean="0"/>
+              <a:t>Моделирвание</a:t>
             </a:r>
             <a:r>
               <a:rPr lang="ru-RU" dirty="0" smtClean="0"/>
               <a:t> </a:t>
             </a:r>
             <a:r>
+              <a:rPr lang="ru-RU" dirty="0" smtClean="0"/>
+              <a:t>активной </a:t>
+            </a:r>
+            <a:r>
+              <a:rPr lang="ru-RU" dirty="0" smtClean="0"/>
+              <a:t>зоны;</a:t>
+            </a:r>
+          </a:p>
+          <a:p>
+            <a:r>
+              <a:rPr lang="ru-RU" dirty="0" smtClean="0"/>
+              <a:t>Расстановка </a:t>
+            </a:r>
+            <a:r>
+              <a:rPr lang="ru-RU" dirty="0" smtClean="0"/>
+              <a:t>точек доступа </a:t>
+            </a:r>
+            <a:r>
               <a:rPr lang="ru-RU" dirty="0" err="1" smtClean="0"/>
-              <a:t>Рассмотренны</a:t>
+              <a:t>wi-fi</a:t>
             </a:r>
             <a:r>
               <a:rPr lang="ru-RU" dirty="0" smtClean="0"/>
-              <a:t> принципы функционирования графического движка </a:t>
-            </a:r>
+              <a:t>;</a:t>
+            </a:r>
+          </a:p>
+          <a:p>
             <a:r>
               <a:rPr lang="ru-RU" dirty="0" err="1" smtClean="0"/>
-              <a:t>OptiX</a:t>
+              <a:t>К</a:t>
+            </a:r>
+            <a:r>
+              <a:rPr lang="ru-RU" smtClean="0"/>
+              <a:t>ласстеризованный</a:t>
             </a:r>
             <a:r>
               <a:rPr lang="ru-RU" dirty="0" smtClean="0"/>
-              <a:t>. Он включает реализацию очень широкого набора основанных на трассировке лучей алгоритмов и приложений, включая интерактивный </a:t>
+              <a:t> </a:t>
             </a:r>
             <a:r>
               <a:rPr lang="ru-RU" dirty="0" err="1" smtClean="0"/>
@@ -4542,98 +5165,12 @@
             </a:r>
             <a:r>
               <a:rPr lang="ru-RU" dirty="0" smtClean="0"/>
-              <a:t>, </a:t>
-            </a:r>
-            <a:r>
-              <a:rPr lang="ru-RU" dirty="0" err="1" smtClean="0"/>
-              <a:t>оффлайн</a:t>
+              <a:t> </a:t>
             </a:r>
             <a:r>
               <a:rPr lang="ru-RU" dirty="0" smtClean="0"/>
-              <a:t> </a:t>
-            </a:r>
-            <a:r>
-              <a:rPr lang="ru-RU" dirty="0" err="1" smtClean="0"/>
-              <a:t>рендеринг</a:t>
-            </a:r>
-            <a:r>
-              <a:rPr lang="ru-RU" dirty="0" smtClean="0"/>
-              <a:t>, системы обнаружения коллизий, запросы искусственного интеллекта и научного моделирования, такие как звуковое распространение</a:t>
-            </a:r>
-            <a:r>
-              <a:rPr lang="ru-RU" dirty="0" smtClean="0"/>
-              <a:t>. Механизм </a:t>
-            </a:r>
-            <a:r>
-              <a:rPr lang="ru-RU" dirty="0" err="1" smtClean="0"/>
-              <a:t>OptiX</a:t>
-            </a:r>
-            <a:r>
-              <a:rPr lang="ru-RU" dirty="0" smtClean="0"/>
-              <a:t> фокусируется исключительно на фундаментальных вычислениях, требуемых для трассировки </a:t>
-            </a:r>
-            <a:r>
-              <a:rPr lang="ru-RU" dirty="0" smtClean="0"/>
-              <a:t>лучей. Механизм </a:t>
-            </a:r>
-            <a:r>
-              <a:rPr lang="ru-RU" dirty="0" err="1" smtClean="0"/>
-              <a:t>OptiX</a:t>
-            </a:r>
-            <a:r>
-              <a:rPr lang="ru-RU" dirty="0" smtClean="0"/>
-              <a:t> демонстрирует, что большинство алгоритмов трассировки лучей могут быть реализованы, используя маленький набор легких программируемых операций. Механизм </a:t>
-            </a:r>
-            <a:r>
-              <a:rPr lang="ru-RU" dirty="0" err="1" smtClean="0"/>
-              <a:t>OptiX</a:t>
-            </a:r>
-            <a:r>
-              <a:rPr lang="ru-RU" dirty="0" smtClean="0"/>
-              <a:t> комбинирует своевременные методы компиляции со специфичным для трассировки лучей знанием, чтобы реализовать его модель программирования эффективно. </a:t>
-            </a:r>
-          </a:p>
-          <a:p>
-            <a:pPr>
-              <a:buFont typeface="Wingdings" pitchFamily="2" charset="2"/>
-              <a:buChar char="v"/>
-            </a:pPr>
-            <a:r>
-              <a:rPr lang="ru-RU" dirty="0" smtClean="0"/>
-              <a:t>3. </a:t>
-            </a:r>
-            <a:r>
-              <a:rPr lang="ru-RU" dirty="0" smtClean="0"/>
-              <a:t>Рассмотрены примеры, входящие в набор разработчика </a:t>
-            </a:r>
-            <a:r>
-              <a:rPr lang="ru-RU" dirty="0" err="1" smtClean="0"/>
-              <a:t>OptiX</a:t>
-            </a:r>
-            <a:r>
-              <a:rPr lang="ru-RU" dirty="0" smtClean="0"/>
-              <a:t>.</a:t>
-            </a:r>
-          </a:p>
-          <a:p>
-            <a:pPr>
-              <a:buFont typeface="Wingdings" pitchFamily="2" charset="2"/>
-              <a:buChar char="v"/>
-            </a:pPr>
-            <a:r>
-              <a:rPr lang="ru-RU" dirty="0" smtClean="0"/>
-              <a:t>4. </a:t>
-            </a:r>
-            <a:r>
-              <a:rPr lang="ru-RU" dirty="0" smtClean="0"/>
-              <a:t>На основе полученной информации разработано демонстрационное приложение. </a:t>
-            </a:r>
-            <a:endParaRPr lang="ru-RU" dirty="0" smtClean="0"/>
-          </a:p>
-          <a:p>
-            <a:pPr>
-              <a:buNone/>
-            </a:pPr>
+              <a:t>изображений;</a:t>
+            </a:r>
             <a:endParaRPr lang="ru-RU" dirty="0"/>
           </a:p>
         </p:txBody>
@@ -4643,13 +5180,6 @@
   <p:clrMapOvr>
     <a:masterClrMapping/>
   </p:clrMapOvr>
-  <p:timing>
-    <p:tnLst>
-      <p:par>
-        <p:cTn id="1" dur="indefinite" restart="never" nodeType="tmRoot"/>
-      </p:par>
-    </p:tnLst>
-  </p:timing>
 </p:sld>
 </file>
 
@@ -4789,41 +5319,50 @@
         <p:spPr/>
         <p:txBody>
           <a:bodyPr>
-            <a:normAutofit fontScale="85000" lnSpcReduction="20000"/>
+            <a:normAutofit fontScale="85000" lnSpcReduction="10000"/>
           </a:bodyPr>
           <a:lstStyle/>
           <a:p>
             <a:r>
-              <a:rPr lang="ru-RU" i="1" dirty="0" smtClean="0">
+              <a:rPr lang="ru-RU" b="1" i="1" dirty="0" smtClean="0">
                 <a:solidFill>
                   <a:srgbClr val="FF0000"/>
                 </a:solidFill>
+                <a:latin typeface="Times New Roman" pitchFamily="18" charset="0"/>
+                <a:cs typeface="Times New Roman" pitchFamily="18" charset="0"/>
               </a:rPr>
               <a:t>Цель:</a:t>
             </a:r>
             <a:r>
-              <a:rPr lang="ru-RU" dirty="0" smtClean="0"/>
-              <a:t> </a:t>
-            </a:r>
-            <a:r>
-              <a:rPr lang="ru-RU" dirty="0" smtClean="0"/>
-              <a:t>создание демонстрационного приложения с  использованием графического движка </a:t>
-            </a:r>
-            <a:r>
-              <a:rPr lang="ru-RU" dirty="0" err="1" smtClean="0"/>
+              <a:rPr lang="ru-RU" dirty="0" smtClean="0">
+                <a:latin typeface="Times New Roman" pitchFamily="18" charset="0"/>
+                <a:cs typeface="Times New Roman" pitchFamily="18" charset="0"/>
+              </a:rPr>
+              <a:t> создание демонстрационного приложения с  использованием графического движка </a:t>
+            </a:r>
+            <a:r>
+              <a:rPr lang="ru-RU" dirty="0" err="1" smtClean="0">
+                <a:latin typeface="Times New Roman" pitchFamily="18" charset="0"/>
+                <a:cs typeface="Times New Roman" pitchFamily="18" charset="0"/>
+              </a:rPr>
               <a:t>OptiX</a:t>
             </a:r>
             <a:r>
-              <a:rPr lang="ru-RU" dirty="0" smtClean="0"/>
+              <a:rPr lang="ru-RU" dirty="0" smtClean="0">
+                <a:latin typeface="Times New Roman" pitchFamily="18" charset="0"/>
+                <a:cs typeface="Times New Roman" pitchFamily="18" charset="0"/>
+              </a:rPr>
               <a:t>.</a:t>
             </a:r>
           </a:p>
           <a:p>
             <a:r>
-              <a:rPr lang="ru-RU" i="1" dirty="0" smtClean="0">
+              <a:rPr lang="ru-RU" b="1" i="1" dirty="0" smtClean="0">
                 <a:solidFill>
                   <a:srgbClr val="FF0000"/>
                 </a:solidFill>
+                <a:latin typeface="Times New Roman" pitchFamily="18" charset="0"/>
+                <a:cs typeface="Times New Roman" pitchFamily="18" charset="0"/>
               </a:rPr>
               <a:t>Задачи, решаемые в ходе работы:</a:t>
             </a:r>
@@ -4834,12 +5373,25 @@
               <a:buChar char="v"/>
             </a:pPr>
             <a:r>
-              <a:rPr lang="ru-RU" dirty="0" smtClean="0"/>
-              <a:t> 1</a:t>
-            </a:r>
-            <a:r>
-              <a:rPr lang="ru-RU" dirty="0" smtClean="0"/>
-              <a:t>.  Изучение программно-аппаратной архитектуры CUDA.</a:t>
+              <a:rPr lang="ru-RU" dirty="0" smtClean="0">
+                <a:latin typeface="Times New Roman" pitchFamily="18" charset="0"/>
+                <a:cs typeface="Times New Roman" pitchFamily="18" charset="0"/>
+              </a:rPr>
+              <a:t> </a:t>
+            </a:r>
+            <a:r>
+              <a:rPr lang="ru-RU" dirty="0" smtClean="0">
+                <a:latin typeface="Times New Roman" pitchFamily="18" charset="0"/>
+                <a:cs typeface="Times New Roman" pitchFamily="18" charset="0"/>
+              </a:rPr>
+              <a:t>Изучение </a:t>
+            </a:r>
+            <a:r>
+              <a:rPr lang="ru-RU" dirty="0" smtClean="0">
+                <a:latin typeface="Times New Roman" pitchFamily="18" charset="0"/>
+                <a:cs typeface="Times New Roman" pitchFamily="18" charset="0"/>
+              </a:rPr>
+              <a:t>программно-аппаратной архитектуры CUDA.</a:t>
             </a:r>
           </a:p>
           <a:p>
@@ -4848,19 +5400,38 @@
               <a:buChar char="v"/>
             </a:pPr>
             <a:r>
-              <a:rPr lang="ru-RU" dirty="0" smtClean="0"/>
-              <a:t> 2</a:t>
-            </a:r>
-            <a:r>
-              <a:rPr lang="ru-RU" dirty="0" smtClean="0"/>
-              <a:t>. Изучение принципов функционирования графического движка </a:t>
-            </a:r>
-            <a:r>
-              <a:rPr lang="ru-RU" dirty="0" err="1" smtClean="0"/>
+              <a:rPr lang="ru-RU" dirty="0" smtClean="0">
+                <a:latin typeface="Times New Roman" pitchFamily="18" charset="0"/>
+                <a:cs typeface="Times New Roman" pitchFamily="18" charset="0"/>
+              </a:rPr>
+              <a:t> </a:t>
+            </a:r>
+            <a:r>
+              <a:rPr lang="ru-RU" dirty="0" smtClean="0">
+                <a:latin typeface="Times New Roman" pitchFamily="18" charset="0"/>
+                <a:cs typeface="Times New Roman" pitchFamily="18" charset="0"/>
+              </a:rPr>
+              <a:t>Изучение </a:t>
+            </a:r>
+            <a:r>
+              <a:rPr lang="ru-RU" dirty="0" smtClean="0">
+                <a:latin typeface="Times New Roman" pitchFamily="18" charset="0"/>
+                <a:cs typeface="Times New Roman" pitchFamily="18" charset="0"/>
+              </a:rPr>
+              <a:t>принципов функционирования графического движка </a:t>
+            </a:r>
+            <a:r>
+              <a:rPr lang="ru-RU" dirty="0" err="1" smtClean="0">
+                <a:latin typeface="Times New Roman" pitchFamily="18" charset="0"/>
+                <a:cs typeface="Times New Roman" pitchFamily="18" charset="0"/>
+              </a:rPr>
               <a:t>OptiX</a:t>
             </a:r>
             <a:r>
-              <a:rPr lang="ru-RU" dirty="0" smtClean="0"/>
+              <a:rPr lang="ru-RU" dirty="0" smtClean="0">
+                <a:latin typeface="Times New Roman" pitchFamily="18" charset="0"/>
+                <a:cs typeface="Times New Roman" pitchFamily="18" charset="0"/>
+              </a:rPr>
               <a:t>.</a:t>
             </a:r>
           </a:p>
@@ -4870,19 +5441,38 @@
               <a:buChar char="v"/>
             </a:pPr>
             <a:r>
-              <a:rPr lang="ru-RU" dirty="0" smtClean="0"/>
-              <a:t> 3</a:t>
-            </a:r>
-            <a:r>
-              <a:rPr lang="ru-RU" dirty="0" smtClean="0"/>
-              <a:t>. Изучение процедуры установки графического движка </a:t>
-            </a:r>
-            <a:r>
-              <a:rPr lang="ru-RU" dirty="0" err="1" smtClean="0"/>
+              <a:rPr lang="ru-RU" dirty="0" smtClean="0">
+                <a:latin typeface="Times New Roman" pitchFamily="18" charset="0"/>
+                <a:cs typeface="Times New Roman" pitchFamily="18" charset="0"/>
+              </a:rPr>
+              <a:t> </a:t>
+            </a:r>
+            <a:r>
+              <a:rPr lang="ru-RU" dirty="0" smtClean="0">
+                <a:latin typeface="Times New Roman" pitchFamily="18" charset="0"/>
+                <a:cs typeface="Times New Roman" pitchFamily="18" charset="0"/>
+              </a:rPr>
+              <a:t>Изучение </a:t>
+            </a:r>
+            <a:r>
+              <a:rPr lang="ru-RU" dirty="0" smtClean="0">
+                <a:latin typeface="Times New Roman" pitchFamily="18" charset="0"/>
+                <a:cs typeface="Times New Roman" pitchFamily="18" charset="0"/>
+              </a:rPr>
+              <a:t>процедуры установки графического движка </a:t>
+            </a:r>
+            <a:r>
+              <a:rPr lang="ru-RU" dirty="0" err="1" smtClean="0">
+                <a:latin typeface="Times New Roman" pitchFamily="18" charset="0"/>
+                <a:cs typeface="Times New Roman" pitchFamily="18" charset="0"/>
+              </a:rPr>
               <a:t>OptiX</a:t>
             </a:r>
             <a:r>
-              <a:rPr lang="ru-RU" dirty="0" smtClean="0"/>
+              <a:rPr lang="ru-RU" dirty="0" smtClean="0">
+                <a:latin typeface="Times New Roman" pitchFamily="18" charset="0"/>
+                <a:cs typeface="Times New Roman" pitchFamily="18" charset="0"/>
+              </a:rPr>
               <a:t>.</a:t>
             </a:r>
           </a:p>
@@ -4892,19 +5482,38 @@
               <a:buChar char="v"/>
             </a:pPr>
             <a:r>
-              <a:rPr lang="ru-RU" dirty="0" smtClean="0"/>
-              <a:t> 4</a:t>
-            </a:r>
-            <a:r>
-              <a:rPr lang="ru-RU" dirty="0" smtClean="0"/>
-              <a:t>. Изучение встроенных примеров графического движка </a:t>
-            </a:r>
-            <a:r>
-              <a:rPr lang="ru-RU" dirty="0" err="1" smtClean="0"/>
+              <a:rPr lang="ru-RU" dirty="0" smtClean="0">
+                <a:latin typeface="Times New Roman" pitchFamily="18" charset="0"/>
+                <a:cs typeface="Times New Roman" pitchFamily="18" charset="0"/>
+              </a:rPr>
+              <a:t> </a:t>
+            </a:r>
+            <a:r>
+              <a:rPr lang="ru-RU" dirty="0" smtClean="0">
+                <a:latin typeface="Times New Roman" pitchFamily="18" charset="0"/>
+                <a:cs typeface="Times New Roman" pitchFamily="18" charset="0"/>
+              </a:rPr>
+              <a:t>Изучение </a:t>
+            </a:r>
+            <a:r>
+              <a:rPr lang="ru-RU" dirty="0" smtClean="0">
+                <a:latin typeface="Times New Roman" pitchFamily="18" charset="0"/>
+                <a:cs typeface="Times New Roman" pitchFamily="18" charset="0"/>
+              </a:rPr>
+              <a:t>встроенных примеров графического движка </a:t>
+            </a:r>
+            <a:r>
+              <a:rPr lang="ru-RU" dirty="0" err="1" smtClean="0">
+                <a:latin typeface="Times New Roman" pitchFamily="18" charset="0"/>
+                <a:cs typeface="Times New Roman" pitchFamily="18" charset="0"/>
+              </a:rPr>
               <a:t>OptiX</a:t>
             </a:r>
             <a:r>
-              <a:rPr lang="ru-RU" dirty="0" smtClean="0"/>
+              <a:rPr lang="ru-RU" dirty="0" smtClean="0">
+                <a:latin typeface="Times New Roman" pitchFamily="18" charset="0"/>
+                <a:cs typeface="Times New Roman" pitchFamily="18" charset="0"/>
+              </a:rPr>
               <a:t>.</a:t>
             </a:r>
           </a:p>
@@ -4914,12 +5523,25 @@
               <a:buChar char="v"/>
             </a:pPr>
             <a:r>
-              <a:rPr lang="ru-RU" dirty="0" smtClean="0"/>
-              <a:t> 5</a:t>
-            </a:r>
-            <a:r>
-              <a:rPr lang="ru-RU" dirty="0" smtClean="0"/>
-              <a:t>. Разработка демонстрационного приложения.</a:t>
+              <a:rPr lang="ru-RU" dirty="0" smtClean="0">
+                <a:latin typeface="Times New Roman" pitchFamily="18" charset="0"/>
+                <a:cs typeface="Times New Roman" pitchFamily="18" charset="0"/>
+              </a:rPr>
+              <a:t> </a:t>
+            </a:r>
+            <a:r>
+              <a:rPr lang="ru-RU" dirty="0" smtClean="0">
+                <a:latin typeface="Times New Roman" pitchFamily="18" charset="0"/>
+                <a:cs typeface="Times New Roman" pitchFamily="18" charset="0"/>
+              </a:rPr>
+              <a:t>Разработка </a:t>
+            </a:r>
+            <a:r>
+              <a:rPr lang="ru-RU" dirty="0" smtClean="0">
+                <a:latin typeface="Times New Roman" pitchFamily="18" charset="0"/>
+                <a:cs typeface="Times New Roman" pitchFamily="18" charset="0"/>
+              </a:rPr>
+              <a:t>демонстрационного приложения.</a:t>
             </a:r>
           </a:p>
           <a:p>
@@ -4928,14 +5550,30 @@
               <a:buChar char="v"/>
             </a:pPr>
             <a:r>
-              <a:rPr lang="ru-RU" dirty="0" smtClean="0"/>
-              <a:t> 6</a:t>
-            </a:r>
-            <a:r>
-              <a:rPr lang="ru-RU" dirty="0" smtClean="0"/>
-              <a:t>. Выяснение перспектив применимости графического движка в прикладных приложениях.</a:t>
-            </a:r>
-            <a:endParaRPr lang="ru-RU" dirty="0"/>
+              <a:rPr lang="ru-RU" dirty="0" smtClean="0">
+                <a:latin typeface="Times New Roman" pitchFamily="18" charset="0"/>
+                <a:cs typeface="Times New Roman" pitchFamily="18" charset="0"/>
+              </a:rPr>
+              <a:t> </a:t>
+            </a:r>
+            <a:r>
+              <a:rPr lang="ru-RU" dirty="0" smtClean="0">
+                <a:latin typeface="Times New Roman" pitchFamily="18" charset="0"/>
+                <a:cs typeface="Times New Roman" pitchFamily="18" charset="0"/>
+              </a:rPr>
+              <a:t>Выяснение </a:t>
+            </a:r>
+            <a:r>
+              <a:rPr lang="ru-RU" dirty="0" smtClean="0">
+                <a:latin typeface="Times New Roman" pitchFamily="18" charset="0"/>
+                <a:cs typeface="Times New Roman" pitchFamily="18" charset="0"/>
+              </a:rPr>
+              <a:t>перспектив применимости графического движка в прикладных приложениях.</a:t>
+            </a:r>
+            <a:endParaRPr lang="ru-RU" dirty="0">
+              <a:latin typeface="Times New Roman" pitchFamily="18" charset="0"/>
+              <a:cs typeface="Times New Roman" pitchFamily="18" charset="0"/>
+            </a:endParaRPr>
           </a:p>
         </p:txBody>
       </p:sp>
@@ -5016,6 +5654,8 @@
                 <a:solidFill>
                   <a:srgbClr val="FF0000"/>
                 </a:solidFill>
+                <a:latin typeface="Times New Roman" pitchFamily="18" charset="0"/>
+                <a:cs typeface="Times New Roman" pitchFamily="18" charset="0"/>
               </a:rPr>
               <a:t>Трассировка лучей (англ. </a:t>
             </a:r>
@@ -5024,6 +5664,8 @@
                 <a:solidFill>
                   <a:srgbClr val="FF0000"/>
                 </a:solidFill>
+                <a:latin typeface="Times New Roman" pitchFamily="18" charset="0"/>
+                <a:cs typeface="Times New Roman" pitchFamily="18" charset="0"/>
               </a:rPr>
               <a:t>Ray</a:t>
             </a:r>
@@ -5032,6 +5674,8 @@
                 <a:solidFill>
                   <a:srgbClr val="FF0000"/>
                 </a:solidFill>
+                <a:latin typeface="Times New Roman" pitchFamily="18" charset="0"/>
+                <a:cs typeface="Times New Roman" pitchFamily="18" charset="0"/>
               </a:rPr>
               <a:t> </a:t>
             </a:r>
@@ -5040,6 +5684,8 @@
                 <a:solidFill>
                   <a:srgbClr val="FF0000"/>
                 </a:solidFill>
+                <a:latin typeface="Times New Roman" pitchFamily="18" charset="0"/>
+                <a:cs typeface="Times New Roman" pitchFamily="18" charset="0"/>
               </a:rPr>
               <a:t>tracing</a:t>
             </a:r>
@@ -5048,6 +5694,8 @@
                 <a:solidFill>
                   <a:srgbClr val="FF0000"/>
                 </a:solidFill>
+                <a:latin typeface="Times New Roman" pitchFamily="18" charset="0"/>
+                <a:cs typeface="Times New Roman" pitchFamily="18" charset="0"/>
               </a:rPr>
               <a:t>; </a:t>
             </a:r>
@@ -5056,6 +5704,8 @@
                 <a:solidFill>
                   <a:srgbClr val="FF0000"/>
                 </a:solidFill>
+                <a:latin typeface="Times New Roman" pitchFamily="18" charset="0"/>
+                <a:cs typeface="Times New Roman" pitchFamily="18" charset="0"/>
               </a:rPr>
               <a:t>рейтрейсинг</a:t>
             </a:r>
@@ -5064,24 +5714,17 @@
                 <a:solidFill>
                   <a:srgbClr val="FF0000"/>
                 </a:solidFill>
+                <a:latin typeface="Times New Roman" pitchFamily="18" charset="0"/>
+                <a:cs typeface="Times New Roman" pitchFamily="18" charset="0"/>
               </a:rPr>
               <a:t>) </a:t>
             </a:r>
             <a:r>
-              <a:rPr lang="ru-RU" dirty="0" smtClean="0"/>
-              <a:t>-один </a:t>
-            </a:r>
-            <a:r>
-              <a:rPr lang="ru-RU" dirty="0" smtClean="0"/>
-              <a:t>из методов геометрической </a:t>
-            </a:r>
-            <a:r>
-              <a:rPr lang="ru-RU" dirty="0" smtClean="0"/>
-              <a:t>оптики исследование </a:t>
-            </a:r>
-            <a:r>
-              <a:rPr lang="ru-RU" dirty="0" smtClean="0"/>
-              <a:t>оптических систем путём отслеживания взаимодействия отдельных лучей с поверхностями.</a:t>
+              <a:rPr lang="ru-RU" dirty="0" smtClean="0">
+                <a:latin typeface="Times New Roman" pitchFamily="18" charset="0"/>
+                <a:cs typeface="Times New Roman" pitchFamily="18" charset="0"/>
+              </a:rPr>
+              <a:t>-один из методов геометрической оптики исследование оптических систем путём отслеживания взаимодействия отдельных лучей с поверхностями.</a:t>
             </a:r>
           </a:p>
           <a:p>
@@ -5090,6 +5733,8 @@
                 <a:solidFill>
                   <a:srgbClr val="FF0000"/>
                 </a:solidFill>
+                <a:latin typeface="Times New Roman" pitchFamily="18" charset="0"/>
+                <a:cs typeface="Times New Roman" pitchFamily="18" charset="0"/>
               </a:rPr>
               <a:t>Данный метод имеет следующие достоинства:</a:t>
             </a:r>
@@ -5100,19 +5745,31 @@
               <a:buChar char="v"/>
             </a:pPr>
             <a:r>
-              <a:rPr lang="ru-RU" dirty="0" smtClean="0"/>
-              <a:t> 1</a:t>
-            </a:r>
-            <a:r>
-              <a:rPr lang="ru-RU" dirty="0" smtClean="0"/>
-              <a:t>. Возможность </a:t>
-            </a:r>
-            <a:r>
-              <a:rPr lang="ru-RU" dirty="0" err="1" smtClean="0"/>
+              <a:rPr lang="ru-RU" dirty="0" smtClean="0">
+                <a:latin typeface="Times New Roman" pitchFamily="18" charset="0"/>
+                <a:cs typeface="Times New Roman" pitchFamily="18" charset="0"/>
+              </a:rPr>
+              <a:t> </a:t>
+            </a:r>
+            <a:r>
+              <a:rPr lang="ru-RU" dirty="0" smtClean="0">
+                <a:latin typeface="Times New Roman" pitchFamily="18" charset="0"/>
+                <a:cs typeface="Times New Roman" pitchFamily="18" charset="0"/>
+              </a:rPr>
+              <a:t>Возможность </a:t>
+            </a:r>
+            <a:r>
+              <a:rPr lang="ru-RU" dirty="0" err="1" smtClean="0">
+                <a:latin typeface="Times New Roman" pitchFamily="18" charset="0"/>
+                <a:cs typeface="Times New Roman" pitchFamily="18" charset="0"/>
+              </a:rPr>
               <a:t>рендеринга</a:t>
             </a:r>
             <a:r>
-              <a:rPr lang="ru-RU" dirty="0" smtClean="0"/>
+              <a:rPr lang="ru-RU" dirty="0" smtClean="0">
+                <a:latin typeface="Times New Roman" pitchFamily="18" charset="0"/>
+                <a:cs typeface="Times New Roman" pitchFamily="18" charset="0"/>
+              </a:rPr>
               <a:t> гладких объектов без аппроксимации их полигональными поверхностями (например, треугольниками).</a:t>
             </a:r>
           </a:p>
@@ -5122,12 +5779,18 @@
               <a:buChar char="v"/>
             </a:pPr>
             <a:r>
-              <a:rPr lang="ru-RU" dirty="0" smtClean="0"/>
-              <a:t> 2</a:t>
-            </a:r>
-            <a:r>
-              <a:rPr lang="ru-RU" dirty="0" smtClean="0"/>
-              <a:t>. Вычислительная сложность метода слабо зависит от сложности сцены.</a:t>
+              <a:rPr lang="ru-RU" dirty="0" smtClean="0">
+                <a:latin typeface="Times New Roman" pitchFamily="18" charset="0"/>
+                <a:cs typeface="Times New Roman" pitchFamily="18" charset="0"/>
+              </a:rPr>
+              <a:t> </a:t>
+            </a:r>
+            <a:r>
+              <a:rPr lang="ru-RU" dirty="0" smtClean="0">
+                <a:latin typeface="Times New Roman" pitchFamily="18" charset="0"/>
+                <a:cs typeface="Times New Roman" pitchFamily="18" charset="0"/>
+              </a:rPr>
+              <a:t>Вычислительная сложность метода слабо зависит от сложности сцены.</a:t>
             </a:r>
           </a:p>
           <a:p>
@@ -5136,19 +5799,31 @@
               <a:buChar char="v"/>
             </a:pPr>
             <a:r>
-              <a:rPr lang="ru-RU" dirty="0" smtClean="0"/>
-              <a:t> 3</a:t>
-            </a:r>
-            <a:r>
-              <a:rPr lang="ru-RU" dirty="0" smtClean="0"/>
-              <a:t>. Высокая алгоритмическая </a:t>
-            </a:r>
-            <a:r>
-              <a:rPr lang="ru-RU" dirty="0" err="1" smtClean="0"/>
+              <a:rPr lang="ru-RU" dirty="0" smtClean="0">
+                <a:latin typeface="Times New Roman" pitchFamily="18" charset="0"/>
+                <a:cs typeface="Times New Roman" pitchFamily="18" charset="0"/>
+              </a:rPr>
+              <a:t> </a:t>
+            </a:r>
+            <a:r>
+              <a:rPr lang="ru-RU" dirty="0" smtClean="0">
+                <a:latin typeface="Times New Roman" pitchFamily="18" charset="0"/>
+                <a:cs typeface="Times New Roman" pitchFamily="18" charset="0"/>
+              </a:rPr>
+              <a:t>Высокая алгоритмическая </a:t>
+            </a:r>
+            <a:r>
+              <a:rPr lang="ru-RU" dirty="0" err="1" smtClean="0">
+                <a:latin typeface="Times New Roman" pitchFamily="18" charset="0"/>
+                <a:cs typeface="Times New Roman" pitchFamily="18" charset="0"/>
+              </a:rPr>
               <a:t>распараллеливаемость</a:t>
             </a:r>
             <a:r>
-              <a:rPr lang="ru-RU" dirty="0" smtClean="0"/>
+              <a:rPr lang="ru-RU" dirty="0" smtClean="0">
+                <a:latin typeface="Times New Roman" pitchFamily="18" charset="0"/>
+                <a:cs typeface="Times New Roman" pitchFamily="18" charset="0"/>
+              </a:rPr>
               <a:t> вычислений — можно параллельно и независимо трассировать два и более лучей, разделять участки (зоны экрана) для трассирования на разных узлах кластера и т.д.</a:t>
             </a:r>
           </a:p>
@@ -5158,14 +5833,30 @@
               <a:buChar char="v"/>
             </a:pPr>
             <a:r>
-              <a:rPr lang="ru-RU" dirty="0" smtClean="0"/>
-              <a:t> 4</a:t>
-            </a:r>
-            <a:r>
-              <a:rPr lang="ru-RU" dirty="0" smtClean="0"/>
-              <a:t>. Отсечение невидимых поверхностей, перспектива и корректное изменения поля зрения являются логическим следствием алгоритма.</a:t>
-            </a:r>
-            <a:endParaRPr lang="ru-RU" dirty="0"/>
+              <a:rPr lang="ru-RU" dirty="0" smtClean="0">
+                <a:latin typeface="Times New Roman" pitchFamily="18" charset="0"/>
+                <a:cs typeface="Times New Roman" pitchFamily="18" charset="0"/>
+              </a:rPr>
+              <a:t> </a:t>
+            </a:r>
+            <a:r>
+              <a:rPr lang="ru-RU" dirty="0" smtClean="0">
+                <a:latin typeface="Times New Roman" pitchFamily="18" charset="0"/>
+                <a:cs typeface="Times New Roman" pitchFamily="18" charset="0"/>
+              </a:rPr>
+              <a:t> </a:t>
+            </a:r>
+            <a:r>
+              <a:rPr lang="ru-RU" dirty="0" smtClean="0">
+                <a:latin typeface="Times New Roman" pitchFamily="18" charset="0"/>
+                <a:cs typeface="Times New Roman" pitchFamily="18" charset="0"/>
+              </a:rPr>
+              <a:t>Отсечение невидимых поверхностей, перспектива и корректное изменения поля зрения являются логическим следствием алгоритма.</a:t>
+            </a:r>
+            <a:endParaRPr lang="ru-RU" dirty="0">
+              <a:latin typeface="Times New Roman" pitchFamily="18" charset="0"/>
+              <a:cs typeface="Times New Roman" pitchFamily="18" charset="0"/>
+            </a:endParaRPr>
           </a:p>
         </p:txBody>
       </p:sp>
@@ -5244,228 +5935,271 @@
           <a:lstStyle/>
           <a:p>
             <a:r>
-              <a:rPr lang="ru-RU" i="1" dirty="0" smtClean="0">
+              <a:rPr lang="ru-RU" b="1" i="1" dirty="0" smtClean="0">
                 <a:solidFill>
                   <a:srgbClr val="FF0000"/>
                 </a:solidFill>
+                <a:latin typeface="Times New Roman" pitchFamily="18" charset="0"/>
+                <a:cs typeface="Times New Roman" pitchFamily="18" charset="0"/>
               </a:rPr>
               <a:t>CUDA (</a:t>
             </a:r>
             <a:r>
-              <a:rPr lang="ru-RU" i="1" dirty="0" err="1" smtClean="0">
+              <a:rPr lang="ru-RU" b="1" i="1" dirty="0" err="1" smtClean="0">
                 <a:solidFill>
                   <a:srgbClr val="FF0000"/>
                 </a:solidFill>
+                <a:latin typeface="Times New Roman" pitchFamily="18" charset="0"/>
+                <a:cs typeface="Times New Roman" pitchFamily="18" charset="0"/>
               </a:rPr>
               <a:t>Compute</a:t>
             </a:r>
             <a:r>
-              <a:rPr lang="ru-RU" i="1" dirty="0" smtClean="0">
+              <a:rPr lang="ru-RU" b="1" i="1" dirty="0" smtClean="0">
                 <a:solidFill>
                   <a:srgbClr val="FF0000"/>
                 </a:solidFill>
+                <a:latin typeface="Times New Roman" pitchFamily="18" charset="0"/>
+                <a:cs typeface="Times New Roman" pitchFamily="18" charset="0"/>
               </a:rPr>
               <a:t> </a:t>
             </a:r>
             <a:r>
-              <a:rPr lang="ru-RU" i="1" dirty="0" err="1" smtClean="0">
+              <a:rPr lang="ru-RU" b="1" i="1" dirty="0" err="1" smtClean="0">
                 <a:solidFill>
                   <a:srgbClr val="FF0000"/>
                 </a:solidFill>
+                <a:latin typeface="Times New Roman" pitchFamily="18" charset="0"/>
+                <a:cs typeface="Times New Roman" pitchFamily="18" charset="0"/>
               </a:rPr>
               <a:t>Unified</a:t>
             </a:r>
             <a:r>
-              <a:rPr lang="ru-RU" i="1" dirty="0" smtClean="0">
+              <a:rPr lang="ru-RU" b="1" i="1" dirty="0" smtClean="0">
                 <a:solidFill>
                   <a:srgbClr val="FF0000"/>
                 </a:solidFill>
+                <a:latin typeface="Times New Roman" pitchFamily="18" charset="0"/>
+                <a:cs typeface="Times New Roman" pitchFamily="18" charset="0"/>
               </a:rPr>
               <a:t> </a:t>
             </a:r>
             <a:r>
-              <a:rPr lang="ru-RU" i="1" dirty="0" err="1" smtClean="0">
+              <a:rPr lang="ru-RU" b="1" i="1" dirty="0" err="1" smtClean="0">
                 <a:solidFill>
                   <a:srgbClr val="FF0000"/>
                 </a:solidFill>
+                <a:latin typeface="Times New Roman" pitchFamily="18" charset="0"/>
+                <a:cs typeface="Times New Roman" pitchFamily="18" charset="0"/>
               </a:rPr>
               <a:t>Device</a:t>
             </a:r>
             <a:r>
-              <a:rPr lang="ru-RU" i="1" dirty="0" smtClean="0">
+              <a:rPr lang="ru-RU" b="1" i="1" dirty="0" smtClean="0">
                 <a:solidFill>
                   <a:srgbClr val="FF0000"/>
                 </a:solidFill>
+                <a:latin typeface="Times New Roman" pitchFamily="18" charset="0"/>
+                <a:cs typeface="Times New Roman" pitchFamily="18" charset="0"/>
               </a:rPr>
               <a:t> </a:t>
             </a:r>
             <a:r>
-              <a:rPr lang="ru-RU" i="1" dirty="0" err="1" smtClean="0">
+              <a:rPr lang="ru-RU" b="1" i="1" dirty="0" err="1" smtClean="0">
                 <a:solidFill>
                   <a:srgbClr val="FF0000"/>
                 </a:solidFill>
+                <a:latin typeface="Times New Roman" pitchFamily="18" charset="0"/>
+                <a:cs typeface="Times New Roman" pitchFamily="18" charset="0"/>
               </a:rPr>
               <a:t>Architecture</a:t>
             </a:r>
             <a:r>
-              <a:rPr lang="ru-RU" i="1" dirty="0" smtClean="0">
+              <a:rPr lang="ru-RU" b="1" i="1" dirty="0" smtClean="0">
                 <a:solidFill>
                   <a:srgbClr val="FF0000"/>
                 </a:solidFill>
+                <a:latin typeface="Times New Roman" pitchFamily="18" charset="0"/>
+                <a:cs typeface="Times New Roman" pitchFamily="18" charset="0"/>
               </a:rPr>
               <a:t>) </a:t>
             </a:r>
             <a:r>
-              <a:rPr lang="ru-RU" dirty="0" smtClean="0"/>
-              <a:t>- </a:t>
-            </a:r>
-            <a:r>
-              <a:rPr lang="ru-RU" dirty="0" smtClean="0"/>
-              <a:t>это технология от компании </a:t>
-            </a:r>
-            <a:r>
-              <a:rPr lang="ru-RU" dirty="0" err="1" smtClean="0"/>
+              <a:rPr lang="ru-RU" dirty="0" smtClean="0">
+                <a:latin typeface="Times New Roman" pitchFamily="18" charset="0"/>
+                <a:cs typeface="Times New Roman" pitchFamily="18" charset="0"/>
+              </a:rPr>
+              <a:t>- это технология от компании </a:t>
+            </a:r>
+            <a:r>
+              <a:rPr lang="ru-RU" dirty="0" err="1" smtClean="0">
+                <a:latin typeface="Times New Roman" pitchFamily="18" charset="0"/>
+                <a:cs typeface="Times New Roman" pitchFamily="18" charset="0"/>
+              </a:rPr>
               <a:t>NVidia</a:t>
             </a:r>
             <a:r>
-              <a:rPr lang="ru-RU" dirty="0" smtClean="0"/>
+              <a:rPr lang="ru-RU" dirty="0" smtClean="0">
+                <a:latin typeface="Times New Roman" pitchFamily="18" charset="0"/>
+                <a:cs typeface="Times New Roman" pitchFamily="18" charset="0"/>
+              </a:rPr>
               <a:t>, предназначенная для разработки приложений для массивно-параллельных вычислительных устройств (в первую очередь для GPU).</a:t>
             </a:r>
           </a:p>
           <a:p>
             <a:r>
-              <a:rPr lang="en-US" i="1" dirty="0" smtClean="0">
+              <a:rPr lang="en-US" b="1" i="1" dirty="0" smtClean="0">
                 <a:solidFill>
                   <a:srgbClr val="FF0000"/>
                 </a:solidFill>
+                <a:latin typeface="Times New Roman" pitchFamily="18" charset="0"/>
+                <a:cs typeface="Times New Roman" pitchFamily="18" charset="0"/>
               </a:rPr>
               <a:t>GPU</a:t>
             </a:r>
             <a:r>
-              <a:rPr lang="ru-RU" i="1" dirty="0" smtClean="0">
+              <a:rPr lang="ru-RU" b="1" i="1" dirty="0" smtClean="0">
                 <a:solidFill>
                   <a:srgbClr val="FF0000"/>
                 </a:solidFill>
-              </a:rPr>
-              <a:t> (</a:t>
-            </a:r>
-            <a:r>
-              <a:rPr lang="ru-RU" i="1" dirty="0" smtClean="0"/>
-              <a:t>англ.</a:t>
-            </a:r>
-            <a:r>
-              <a:rPr lang="ru-RU" i="1" dirty="0" smtClean="0">
+                <a:latin typeface="Times New Roman" pitchFamily="18" charset="0"/>
+                <a:cs typeface="Times New Roman" pitchFamily="18" charset="0"/>
+              </a:rPr>
+              <a:t> </a:t>
+            </a:r>
+            <a:r>
+              <a:rPr lang="ru-RU" b="1" i="1" dirty="0" smtClean="0">
                 <a:solidFill>
                   <a:srgbClr val="FF0000"/>
                 </a:solidFill>
-              </a:rPr>
-              <a:t> </a:t>
-            </a:r>
-            <a:r>
-              <a:rPr lang="ru-RU" i="1" dirty="0" err="1" smtClean="0">
+                <a:latin typeface="Times New Roman" pitchFamily="18" charset="0"/>
+                <a:cs typeface="Times New Roman" pitchFamily="18" charset="0"/>
+              </a:rPr>
+              <a:t>(</a:t>
+            </a:r>
+            <a:r>
+              <a:rPr lang="ru-RU" b="1" i="1" dirty="0" smtClean="0">
                 <a:solidFill>
                   <a:srgbClr val="FF0000"/>
                 </a:solidFill>
-              </a:rPr>
-              <a:t>graphics</a:t>
-            </a:r>
-            <a:r>
-              <a:rPr lang="ru-RU" i="1" dirty="0" smtClean="0">
+                <a:latin typeface="Times New Roman" pitchFamily="18" charset="0"/>
+                <a:cs typeface="Times New Roman" pitchFamily="18" charset="0"/>
+              </a:rPr>
+              <a:t> </a:t>
+            </a:r>
+            <a:r>
+              <a:rPr lang="ru-RU" b="1" i="1" dirty="0" err="1" smtClean="0">
                 <a:solidFill>
                   <a:srgbClr val="FF0000"/>
                 </a:solidFill>
-              </a:rPr>
-              <a:t> </a:t>
-            </a:r>
-            <a:r>
-              <a:rPr lang="ru-RU" i="1" dirty="0" err="1" smtClean="0">
+                <a:latin typeface="Times New Roman" pitchFamily="18" charset="0"/>
+                <a:cs typeface="Times New Roman" pitchFamily="18" charset="0"/>
+              </a:rPr>
+              <a:t>graphics</a:t>
+            </a:r>
+            <a:r>
+              <a:rPr lang="ru-RU" b="1" i="1" dirty="0" smtClean="0">
                 <a:solidFill>
                   <a:srgbClr val="FF0000"/>
                 </a:solidFill>
-              </a:rPr>
-              <a:t>processing</a:t>
-            </a:r>
-            <a:r>
-              <a:rPr lang="ru-RU" i="1" dirty="0" smtClean="0">
+                <a:latin typeface="Times New Roman" pitchFamily="18" charset="0"/>
+                <a:cs typeface="Times New Roman" pitchFamily="18" charset="0"/>
+              </a:rPr>
+              <a:t> </a:t>
+            </a:r>
+            <a:r>
+              <a:rPr lang="ru-RU" b="1" i="1" dirty="0" err="1" smtClean="0">
                 <a:solidFill>
                   <a:srgbClr val="FF0000"/>
                 </a:solidFill>
-              </a:rPr>
-              <a:t> </a:t>
-            </a:r>
-            <a:r>
-              <a:rPr lang="ru-RU" i="1" dirty="0" err="1" smtClean="0">
+                <a:latin typeface="Times New Roman" pitchFamily="18" charset="0"/>
+                <a:cs typeface="Times New Roman" pitchFamily="18" charset="0"/>
+              </a:rPr>
+              <a:t>processing</a:t>
+            </a:r>
+            <a:r>
+              <a:rPr lang="ru-RU" b="1" i="1" dirty="0" smtClean="0">
                 <a:solidFill>
                   <a:srgbClr val="FF0000"/>
                 </a:solidFill>
-              </a:rPr>
-              <a:t>unit</a:t>
-            </a:r>
-            <a:r>
-              <a:rPr lang="ru-RU" i="1" dirty="0" smtClean="0">
+                <a:latin typeface="Times New Roman" pitchFamily="18" charset="0"/>
+                <a:cs typeface="Times New Roman" pitchFamily="18" charset="0"/>
+              </a:rPr>
+              <a:t> </a:t>
+            </a:r>
+            <a:r>
+              <a:rPr lang="ru-RU" b="1" i="1" dirty="0" err="1" smtClean="0">
                 <a:solidFill>
                   <a:srgbClr val="FF0000"/>
                 </a:solidFill>
-              </a:rPr>
-              <a:t>, </a:t>
-            </a:r>
-            <a:r>
-              <a:rPr lang="ru-RU" i="1" dirty="0" smtClean="0">
+                <a:latin typeface="Times New Roman" pitchFamily="18" charset="0"/>
+                <a:cs typeface="Times New Roman" pitchFamily="18" charset="0"/>
+              </a:rPr>
+              <a:t>unit</a:t>
+            </a:r>
+            <a:r>
+              <a:rPr lang="ru-RU" b="1" i="1" dirty="0" smtClean="0">
                 <a:solidFill>
                   <a:srgbClr val="FF0000"/>
                 </a:solidFill>
-              </a:rPr>
-              <a:t>графический процессор)</a:t>
+                <a:latin typeface="Times New Roman" pitchFamily="18" charset="0"/>
+                <a:cs typeface="Times New Roman" pitchFamily="18" charset="0"/>
+              </a:rPr>
+              <a:t>, графический процессор) </a:t>
             </a:r>
             <a:r>
               <a:rPr lang="ru-RU" i="1" dirty="0" smtClean="0">
-                <a:solidFill>
-                  <a:srgbClr val="FF0000"/>
-                </a:solidFill>
-              </a:rPr>
-              <a:t> </a:t>
-            </a:r>
-            <a:r>
-              <a:rPr lang="ru-RU" i="1" dirty="0" smtClean="0"/>
-              <a:t>- отдельное устройство</a:t>
-            </a:r>
-            <a:r>
-              <a:rPr lang="ru-RU" i="1" dirty="0" smtClean="0"/>
-              <a:t> </a:t>
-            </a:r>
-            <a:r>
-              <a:rPr lang="ru-RU" dirty="0" smtClean="0"/>
-              <a:t>персонального компьютера</a:t>
-            </a:r>
-            <a:r>
-              <a:rPr lang="ru-RU" i="1" u="sng" dirty="0" smtClean="0"/>
-              <a:t> </a:t>
-            </a:r>
-            <a:r>
-              <a:rPr lang="ru-RU" i="1" dirty="0" smtClean="0"/>
-              <a:t>или</a:t>
-            </a:r>
-            <a:r>
-              <a:rPr lang="ru-RU" i="1" dirty="0" smtClean="0"/>
-              <a:t> </a:t>
-            </a:r>
-            <a:r>
-              <a:rPr lang="ru-RU" dirty="0" smtClean="0"/>
-              <a:t>игровой приставки</a:t>
-            </a:r>
-            <a:r>
-              <a:rPr lang="ru-RU" i="1" dirty="0" smtClean="0"/>
-              <a:t>, выполняющее графический </a:t>
-            </a:r>
-            <a:r>
-              <a:rPr lang="ru-RU" dirty="0" err="1" smtClean="0"/>
+                <a:latin typeface="Times New Roman" pitchFamily="18" charset="0"/>
+                <a:cs typeface="Times New Roman" pitchFamily="18" charset="0"/>
+              </a:rPr>
+              <a:t>- </a:t>
+            </a:r>
+            <a:r>
+              <a:rPr lang="ru-RU" dirty="0" smtClean="0">
+                <a:latin typeface="Times New Roman" pitchFamily="18" charset="0"/>
+                <a:cs typeface="Times New Roman" pitchFamily="18" charset="0"/>
+              </a:rPr>
+              <a:t>отдельное устройство персонального </a:t>
+            </a:r>
+            <a:r>
+              <a:rPr lang="ru-RU" dirty="0" smtClean="0">
+                <a:latin typeface="Times New Roman" pitchFamily="18" charset="0"/>
+                <a:cs typeface="Times New Roman" pitchFamily="18" charset="0"/>
+              </a:rPr>
+              <a:t>компьютера</a:t>
+            </a:r>
+            <a:r>
+              <a:rPr lang="ru-RU" dirty="0" smtClean="0">
+                <a:latin typeface="Times New Roman" pitchFamily="18" charset="0"/>
+                <a:cs typeface="Times New Roman" pitchFamily="18" charset="0"/>
+              </a:rPr>
+              <a:t> или</a:t>
+            </a:r>
+            <a:r>
+              <a:rPr lang="ru-RU" dirty="0" smtClean="0">
+                <a:latin typeface="Times New Roman" pitchFamily="18" charset="0"/>
+                <a:cs typeface="Times New Roman" pitchFamily="18" charset="0"/>
+              </a:rPr>
+              <a:t> игровой приставки, выполняющее графический </a:t>
+            </a:r>
+            <a:r>
+              <a:rPr lang="ru-RU" dirty="0" err="1" smtClean="0">
+                <a:latin typeface="Times New Roman" pitchFamily="18" charset="0"/>
+                <a:cs typeface="Times New Roman" pitchFamily="18" charset="0"/>
+              </a:rPr>
               <a:t>рендеринг</a:t>
             </a:r>
             <a:r>
-              <a:rPr lang="ru-RU" dirty="0" smtClean="0"/>
+              <a:rPr lang="ru-RU" dirty="0" smtClean="0">
+                <a:latin typeface="Times New Roman" pitchFamily="18" charset="0"/>
+                <a:cs typeface="Times New Roman" pitchFamily="18" charset="0"/>
+              </a:rPr>
               <a:t>. </a:t>
             </a:r>
-            <a:endParaRPr lang="ru-RU" dirty="0"/>
+            <a:endParaRPr lang="ru-RU" dirty="0">
+              <a:latin typeface="Times New Roman" pitchFamily="18" charset="0"/>
+              <a:cs typeface="Times New Roman" pitchFamily="18" charset="0"/>
+            </a:endParaRPr>
           </a:p>
         </p:txBody>
       </p:sp>
@@ -5546,129 +6280,124 @@
           <a:lstStyle/>
           <a:p>
             <a:r>
-              <a:rPr lang="ru-RU" dirty="0" smtClean="0"/>
-              <a:t>Самые первые </a:t>
-            </a:r>
-            <a:r>
-              <a:rPr lang="ru-RU" dirty="0" smtClean="0"/>
-              <a:t>GPU </a:t>
-            </a:r>
-            <a:r>
-              <a:rPr lang="ru-RU" dirty="0" smtClean="0"/>
-              <a:t>фактически представляли собой просто </a:t>
-            </a:r>
-            <a:r>
-              <a:rPr lang="ru-RU" dirty="0" err="1" smtClean="0"/>
+              <a:rPr lang="ru-RU" dirty="0" smtClean="0">
+                <a:latin typeface="Times New Roman" pitchFamily="18" charset="0"/>
+                <a:cs typeface="Times New Roman" pitchFamily="18" charset="0"/>
+              </a:rPr>
+              <a:t>Самые первые GPU фактически представляли собой просто </a:t>
+            </a:r>
+            <a:r>
+              <a:rPr lang="ru-RU" dirty="0" err="1" smtClean="0">
+                <a:latin typeface="Times New Roman" pitchFamily="18" charset="0"/>
+                <a:cs typeface="Times New Roman" pitchFamily="18" charset="0"/>
+              </a:rPr>
               <a:t>растеризатор</a:t>
             </a:r>
             <a:r>
-              <a:rPr lang="ru-RU" dirty="0" smtClean="0"/>
+              <a:rPr lang="ru-RU" dirty="0" smtClean="0">
+                <a:latin typeface="Times New Roman" pitchFamily="18" charset="0"/>
+                <a:cs typeface="Times New Roman" pitchFamily="18" charset="0"/>
+              </a:rPr>
               <a:t> с возможностью наложения текстуры и буфером глубины. </a:t>
             </a:r>
-            <a:endParaRPr lang="en-US" dirty="0" smtClean="0"/>
-          </a:p>
-          <a:p>
-            <a:r>
-              <a:rPr lang="ru-RU" dirty="0" smtClean="0"/>
-              <a:t>Довольно быстро появились GPU </a:t>
-            </a:r>
-            <a:r>
-              <a:rPr lang="ru-RU" dirty="0" smtClean="0"/>
-              <a:t>с </a:t>
-            </a:r>
-            <a:r>
-              <a:rPr lang="ru-RU" dirty="0" smtClean="0"/>
-              <a:t>полной обработкой вершин на самом GPU - на вход поступают трехмерные данные и на выходе получаем готовое изображение </a:t>
-            </a:r>
-            <a:endParaRPr lang="en-US" dirty="0" smtClean="0"/>
-          </a:p>
-          <a:p>
-            <a:r>
-              <a:rPr lang="ru-RU" dirty="0" smtClean="0"/>
-              <a:t>Следующим </a:t>
-            </a:r>
-            <a:r>
-              <a:rPr lang="ru-RU" dirty="0" smtClean="0"/>
-              <a:t>шагом </a:t>
-            </a:r>
-            <a:r>
-              <a:rPr lang="ru-RU" dirty="0" smtClean="0"/>
-              <a:t>стало </a:t>
-            </a:r>
-            <a:r>
-              <a:rPr lang="ru-RU" dirty="0" smtClean="0"/>
-              <a:t>появлени</a:t>
-            </a:r>
-            <a:r>
-              <a:rPr lang="ru-RU" dirty="0" smtClean="0"/>
-              <a:t>е</a:t>
-            </a:r>
-            <a:r>
-              <a:rPr lang="ru-RU" dirty="0" smtClean="0"/>
-              <a:t> </a:t>
-            </a:r>
-            <a:r>
-              <a:rPr lang="ru-RU" dirty="0" smtClean="0"/>
-              <a:t>вершинных </a:t>
-            </a:r>
-            <a:r>
-              <a:rPr lang="ru-RU" dirty="0" err="1" smtClean="0"/>
+            <a:endParaRPr lang="en-US" dirty="0" smtClean="0">
+              <a:latin typeface="Times New Roman" pitchFamily="18" charset="0"/>
+              <a:cs typeface="Times New Roman" pitchFamily="18" charset="0"/>
+            </a:endParaRPr>
+          </a:p>
+          <a:p>
+            <a:r>
+              <a:rPr lang="ru-RU" dirty="0" smtClean="0">
+                <a:latin typeface="Times New Roman" pitchFamily="18" charset="0"/>
+                <a:cs typeface="Times New Roman" pitchFamily="18" charset="0"/>
+              </a:rPr>
+              <a:t>Довольно быстро появились GPU с полной обработкой вершин на самом GPU - на вход поступают трехмерные данные и на выходе получаем готовое изображение </a:t>
+            </a:r>
+            <a:endParaRPr lang="en-US" dirty="0" smtClean="0">
+              <a:latin typeface="Times New Roman" pitchFamily="18" charset="0"/>
+              <a:cs typeface="Times New Roman" pitchFamily="18" charset="0"/>
+            </a:endParaRPr>
+          </a:p>
+          <a:p>
+            <a:r>
+              <a:rPr lang="ru-RU" dirty="0" smtClean="0">
+                <a:latin typeface="Times New Roman" pitchFamily="18" charset="0"/>
+                <a:cs typeface="Times New Roman" pitchFamily="18" charset="0"/>
+              </a:rPr>
+              <a:t>Следующим шагом стало появление вершинных </a:t>
+            </a:r>
+            <a:r>
+              <a:rPr lang="ru-RU" dirty="0" err="1" smtClean="0">
+                <a:latin typeface="Times New Roman" pitchFamily="18" charset="0"/>
+                <a:cs typeface="Times New Roman" pitchFamily="18" charset="0"/>
+              </a:rPr>
               <a:t>шейдеров</a:t>
             </a:r>
             <a:r>
-              <a:rPr lang="ru-RU" dirty="0" smtClean="0"/>
-              <a:t> - </a:t>
-            </a:r>
-            <a:r>
-              <a:rPr lang="ru-RU" dirty="0" smtClean="0"/>
-              <a:t>обработку вершин стало возможным задавать в виде программы, написанной на специальном ассемблере.</a:t>
-            </a:r>
-          </a:p>
-          <a:p>
-            <a:r>
-              <a:rPr lang="ru-RU" dirty="0" smtClean="0"/>
-              <a:t>Следующим </a:t>
-            </a:r>
-            <a:r>
-              <a:rPr lang="ru-RU" dirty="0" smtClean="0"/>
-              <a:t>шагом стало появление </a:t>
-            </a:r>
-            <a:r>
-              <a:rPr lang="ru-RU" dirty="0" smtClean="0"/>
-              <a:t>фрагментных, </a:t>
-            </a:r>
-            <a:r>
-              <a:rPr lang="ru-RU" dirty="0" smtClean="0"/>
-              <a:t>позволяющим задавать расчет каждого </a:t>
-            </a:r>
-            <a:r>
-              <a:rPr lang="ru-RU" dirty="0" err="1" smtClean="0"/>
+              <a:rPr lang="ru-RU" dirty="0" smtClean="0">
+                <a:latin typeface="Times New Roman" pitchFamily="18" charset="0"/>
+                <a:cs typeface="Times New Roman" pitchFamily="18" charset="0"/>
+              </a:rPr>
+              <a:t> - обработку вершин стало возможным задавать в виде программы, написанной на специальном ассемблере.</a:t>
+            </a:r>
+          </a:p>
+          <a:p>
+            <a:r>
+              <a:rPr lang="ru-RU" dirty="0" smtClean="0">
+                <a:latin typeface="Times New Roman" pitchFamily="18" charset="0"/>
+                <a:cs typeface="Times New Roman" pitchFamily="18" charset="0"/>
+              </a:rPr>
+              <a:t>Следующим шагом стало появление фрагментных, позволяющим задавать расчет каждого </a:t>
+            </a:r>
+            <a:r>
+              <a:rPr lang="ru-RU" dirty="0" err="1" smtClean="0">
+                <a:latin typeface="Times New Roman" pitchFamily="18" charset="0"/>
+                <a:cs typeface="Times New Roman" pitchFamily="18" charset="0"/>
+              </a:rPr>
               <a:t>пиксела</a:t>
             </a:r>
             <a:r>
-              <a:rPr lang="ru-RU" dirty="0" smtClean="0"/>
+              <a:rPr lang="ru-RU" dirty="0" smtClean="0">
+                <a:latin typeface="Times New Roman" pitchFamily="18" charset="0"/>
+                <a:cs typeface="Times New Roman" pitchFamily="18" charset="0"/>
+              </a:rPr>
               <a:t> также при помощи программы, на ассемблере.</a:t>
             </a:r>
           </a:p>
           <a:p>
             <a:r>
-              <a:rPr lang="ru-RU" dirty="0" smtClean="0"/>
+              <a:rPr lang="ru-RU" dirty="0" smtClean="0">
+                <a:latin typeface="Times New Roman" pitchFamily="18" charset="0"/>
+                <a:cs typeface="Times New Roman" pitchFamily="18" charset="0"/>
+              </a:rPr>
               <a:t>Заключительным шагом, превратившим GPU в мощные параллельные вычислители, стало поддержка </a:t>
             </a:r>
             <a:r>
-              <a:rPr lang="ru-RU" dirty="0" err="1" smtClean="0"/>
+              <a:rPr lang="ru-RU" dirty="0" err="1" smtClean="0">
+                <a:latin typeface="Times New Roman" pitchFamily="18" charset="0"/>
+                <a:cs typeface="Times New Roman" pitchFamily="18" charset="0"/>
+              </a:rPr>
               <a:t>floating-point</a:t>
             </a:r>
             <a:r>
-              <a:rPr lang="ru-RU" dirty="0" smtClean="0"/>
+              <a:rPr lang="ru-RU" dirty="0" smtClean="0">
+                <a:latin typeface="Times New Roman" pitchFamily="18" charset="0"/>
+                <a:cs typeface="Times New Roman" pitchFamily="18" charset="0"/>
+              </a:rPr>
               <a:t> текстур, т.е. стало возможным хранить значения в текстурах как 32-битовые </a:t>
             </a:r>
             <a:r>
-              <a:rPr lang="ru-RU" dirty="0" err="1" smtClean="0"/>
+              <a:rPr lang="ru-RU" dirty="0" err="1" smtClean="0">
+                <a:latin typeface="Times New Roman" pitchFamily="18" charset="0"/>
+                <a:cs typeface="Times New Roman" pitchFamily="18" charset="0"/>
+              </a:rPr>
               <a:t>floating-point</a:t>
             </a:r>
             <a:r>
-              <a:rPr lang="ru-RU" dirty="0" smtClean="0"/>
+              <a:rPr lang="ru-RU" dirty="0" smtClean="0">
+                <a:latin typeface="Times New Roman" pitchFamily="18" charset="0"/>
+                <a:cs typeface="Times New Roman" pitchFamily="18" charset="0"/>
+              </a:rPr>
               <a:t> числа.</a:t>
             </a:r>
           </a:p>
@@ -5726,7 +6455,11 @@
           <a:p>
             <a:r>
               <a:rPr lang="ru-RU" dirty="0" smtClean="0"/>
-              <a:t>Потоковые вычисления</a:t>
+              <a:t>Принципы движка </a:t>
+            </a:r>
+            <a:r>
+              <a:rPr lang="en-US" dirty="0" err="1" smtClean="0"/>
+              <a:t>Optix</a:t>
             </a:r>
             <a:endParaRPr lang="ru-RU" dirty="0"/>
           </a:p>
@@ -5744,39 +6477,200 @@
         </p:nvSpPr>
         <p:spPr/>
         <p:txBody>
-          <a:bodyPr/>
+          <a:bodyPr>
+            <a:normAutofit/>
+          </a:bodyPr>
           <a:lstStyle/>
           <a:p>
-            <a:endParaRPr lang="ru-RU"/>
-          </a:p>
-        </p:txBody>
-      </p:sp>
-      <p:pic>
-        <p:nvPicPr>
-          <p:cNvPr id="17411" name="Picture 3" descr="G:\Женечек\Учеба\4курс\8семместр\Уир\Optix-Research\Report\Images\gpu-programming-1.gif"/>
-          <p:cNvPicPr>
-            <a:picLocks noChangeAspect="1" noChangeArrowheads="1"/>
-          </p:cNvPicPr>
-          <p:nvPr/>
-        </p:nvPicPr>
-        <p:blipFill>
-          <a:blip r:embed="rId2" cstate="print"/>
-          <a:srcRect/>
-          <a:stretch>
-            <a:fillRect/>
-          </a:stretch>
-        </p:blipFill>
-        <p:spPr bwMode="auto">
-          <a:xfrm>
-            <a:off x="971600" y="2852936"/>
-            <a:ext cx="7176112" cy="2304256"/>
-          </a:xfrm>
-          <a:prstGeom prst="rect">
-            <a:avLst/>
-          </a:prstGeom>
-          <a:noFill/>
-        </p:spPr>
-      </p:pic>
+            <a:r>
+              <a:rPr lang="ru-RU" b="1" dirty="0" smtClean="0"/>
+              <a:t> </a:t>
+            </a:r>
+            <a:r>
+              <a:rPr lang="ru-RU" b="1" i="1" dirty="0" err="1" smtClean="0">
+                <a:solidFill>
+                  <a:srgbClr val="FF0000"/>
+                </a:solidFill>
+                <a:latin typeface="Times New Roman" pitchFamily="18" charset="0"/>
+                <a:cs typeface="Times New Roman" pitchFamily="18" charset="0"/>
+              </a:rPr>
+              <a:t>OptiX</a:t>
+            </a:r>
+            <a:r>
+              <a:rPr lang="ru-RU" b="1" dirty="0" smtClean="0">
+                <a:latin typeface="Times New Roman" pitchFamily="18" charset="0"/>
+                <a:cs typeface="Times New Roman" pitchFamily="18" charset="0"/>
+              </a:rPr>
+              <a:t> </a:t>
+            </a:r>
+            <a:r>
+              <a:rPr lang="ru-RU" dirty="0" smtClean="0">
+                <a:latin typeface="Times New Roman" pitchFamily="18" charset="0"/>
+                <a:cs typeface="Times New Roman" pitchFamily="18" charset="0"/>
+              </a:rPr>
+              <a:t>- механизм трассировки лучей общего назначения. </a:t>
+            </a:r>
+            <a:endParaRPr lang="en-US" dirty="0" smtClean="0">
+              <a:latin typeface="Times New Roman" pitchFamily="18" charset="0"/>
+              <a:cs typeface="Times New Roman" pitchFamily="18" charset="0"/>
+            </a:endParaRPr>
+          </a:p>
+          <a:p>
+            <a:r>
+              <a:rPr lang="ru-RU" b="1" i="1" dirty="0" smtClean="0">
+                <a:solidFill>
+                  <a:srgbClr val="FF0000"/>
+                </a:solidFill>
+                <a:latin typeface="Times New Roman" pitchFamily="18" charset="0"/>
+                <a:cs typeface="Times New Roman" pitchFamily="18" charset="0"/>
+              </a:rPr>
+              <a:t>Особенности:</a:t>
+            </a:r>
+          </a:p>
+          <a:p>
+            <a:pPr>
+              <a:buFont typeface="Wingdings" pitchFamily="2" charset="2"/>
+              <a:buChar char="v"/>
+            </a:pPr>
+            <a:r>
+              <a:rPr lang="ru-RU" i="1" dirty="0" smtClean="0">
+                <a:solidFill>
+                  <a:srgbClr val="FF0000"/>
+                </a:solidFill>
+                <a:latin typeface="Times New Roman" pitchFamily="18" charset="0"/>
+                <a:cs typeface="Times New Roman" pitchFamily="18" charset="0"/>
+              </a:rPr>
+              <a:t> </a:t>
+            </a:r>
+            <a:r>
+              <a:rPr lang="ru-RU" dirty="0" smtClean="0">
+                <a:latin typeface="Times New Roman" pitchFamily="18" charset="0"/>
+                <a:cs typeface="Times New Roman" pitchFamily="18" charset="0"/>
+              </a:rPr>
+              <a:t> </a:t>
+            </a:r>
+            <a:r>
+              <a:rPr lang="ru-RU" dirty="0" smtClean="0">
+                <a:latin typeface="Times New Roman" pitchFamily="18" charset="0"/>
+                <a:cs typeface="Times New Roman" pitchFamily="18" charset="0"/>
+              </a:rPr>
+              <a:t>Общий низкоуровневый механизм трассировки лучей. </a:t>
+            </a:r>
+          </a:p>
+          <a:p>
+            <a:pPr>
+              <a:buFont typeface="Wingdings" pitchFamily="2" charset="2"/>
+              <a:buChar char="v"/>
+            </a:pPr>
+            <a:r>
+              <a:rPr lang="ru-RU" dirty="0" smtClean="0">
+                <a:latin typeface="Times New Roman" pitchFamily="18" charset="0"/>
+                <a:cs typeface="Times New Roman" pitchFamily="18" charset="0"/>
+              </a:rPr>
+              <a:t> </a:t>
+            </a:r>
+            <a:r>
+              <a:rPr lang="ru-RU" dirty="0" smtClean="0">
+                <a:latin typeface="Times New Roman" pitchFamily="18" charset="0"/>
+                <a:cs typeface="Times New Roman" pitchFamily="18" charset="0"/>
+              </a:rPr>
+              <a:t> </a:t>
+            </a:r>
+            <a:r>
+              <a:rPr lang="ru-RU" dirty="0" smtClean="0">
+                <a:latin typeface="Times New Roman" pitchFamily="18" charset="0"/>
+                <a:cs typeface="Times New Roman" pitchFamily="18" charset="0"/>
+              </a:rPr>
+              <a:t>Программируемый конвейер трассировки лучей. </a:t>
+            </a:r>
+          </a:p>
+          <a:p>
+            <a:pPr>
+              <a:buFont typeface="Wingdings" pitchFamily="2" charset="2"/>
+              <a:buChar char="v"/>
+            </a:pPr>
+            <a:r>
+              <a:rPr lang="ru-RU" dirty="0" smtClean="0">
+                <a:latin typeface="Times New Roman" pitchFamily="18" charset="0"/>
+                <a:cs typeface="Times New Roman" pitchFamily="18" charset="0"/>
+              </a:rPr>
+              <a:t> </a:t>
+            </a:r>
+            <a:r>
+              <a:rPr lang="ru-RU" dirty="0" smtClean="0">
+                <a:latin typeface="Times New Roman" pitchFamily="18" charset="0"/>
+                <a:cs typeface="Times New Roman" pitchFamily="18" charset="0"/>
+              </a:rPr>
+              <a:t> </a:t>
+            </a:r>
+            <a:r>
+              <a:rPr lang="ru-RU" dirty="0" smtClean="0">
+                <a:latin typeface="Times New Roman" pitchFamily="18" charset="0"/>
+                <a:cs typeface="Times New Roman" pitchFamily="18" charset="0"/>
+              </a:rPr>
+              <a:t>Простая модель программирования. </a:t>
+            </a:r>
+          </a:p>
+          <a:p>
+            <a:pPr>
+              <a:buFont typeface="Wingdings" pitchFamily="2" charset="2"/>
+              <a:buChar char="v"/>
+            </a:pPr>
+            <a:r>
+              <a:rPr lang="ru-RU" dirty="0" smtClean="0">
+                <a:latin typeface="Times New Roman" pitchFamily="18" charset="0"/>
+                <a:cs typeface="Times New Roman" pitchFamily="18" charset="0"/>
+              </a:rPr>
+              <a:t> </a:t>
+            </a:r>
+            <a:r>
+              <a:rPr lang="ru-RU" dirty="0" smtClean="0">
+                <a:latin typeface="Times New Roman" pitchFamily="18" charset="0"/>
+                <a:cs typeface="Times New Roman" pitchFamily="18" charset="0"/>
+              </a:rPr>
+              <a:t> </a:t>
+            </a:r>
+            <a:r>
+              <a:rPr lang="ru-RU" dirty="0" smtClean="0">
+                <a:latin typeface="Times New Roman" pitchFamily="18" charset="0"/>
+                <a:cs typeface="Times New Roman" pitchFamily="18" charset="0"/>
+              </a:rPr>
+              <a:t>Проблемно-ориентированный компилятор. </a:t>
+            </a:r>
+          </a:p>
+          <a:p>
+            <a:pPr>
+              <a:buFont typeface="Wingdings" pitchFamily="2" charset="2"/>
+              <a:buChar char="v"/>
+            </a:pPr>
+            <a:r>
+              <a:rPr lang="ru-RU" dirty="0" smtClean="0">
+                <a:latin typeface="Times New Roman" pitchFamily="18" charset="0"/>
+                <a:cs typeface="Times New Roman" pitchFamily="18" charset="0"/>
+              </a:rPr>
+              <a:t> </a:t>
+            </a:r>
+            <a:r>
+              <a:rPr lang="ru-RU" dirty="0" smtClean="0">
+                <a:latin typeface="Times New Roman" pitchFamily="18" charset="0"/>
+                <a:cs typeface="Times New Roman" pitchFamily="18" charset="0"/>
+              </a:rPr>
+              <a:t> </a:t>
+            </a:r>
+            <a:r>
+              <a:rPr lang="ru-RU" dirty="0" smtClean="0">
+                <a:latin typeface="Times New Roman" pitchFamily="18" charset="0"/>
+                <a:cs typeface="Times New Roman" pitchFamily="18" charset="0"/>
+              </a:rPr>
+              <a:t>Эффективное представление сцены. </a:t>
+            </a:r>
+            <a:endParaRPr lang="ru-RU" dirty="0">
+              <a:latin typeface="Times New Roman" pitchFamily="18" charset="0"/>
+              <a:cs typeface="Times New Roman" pitchFamily="18" charset="0"/>
+            </a:endParaRPr>
+          </a:p>
+        </p:txBody>
+      </p:sp>
     </p:spTree>
   </p:cSld>
   <p:clrMapOvr>
@@ -5824,15 +6718,7 @@
           <a:bodyPr/>
           <a:lstStyle/>
           <a:p>
-            <a:r>
-              <a:rPr lang="ru-RU" dirty="0" smtClean="0"/>
-              <a:t>Иерархия нитей </a:t>
-            </a:r>
-            <a:r>
-              <a:rPr lang="en-US" dirty="0" smtClean="0"/>
-              <a:t>CUDA</a:t>
-            </a:r>
-            <a:endParaRPr lang="ru-RU" dirty="0"/>
+            <a:endParaRPr lang="ru-RU"/>
           </a:p>
         </p:txBody>
       </p:sp>
@@ -5851,13 +6737,13 @@
           <a:bodyPr/>
           <a:lstStyle/>
           <a:p>
-            <a:endParaRPr lang="ru-RU" dirty="0"/>
+            <a:endParaRPr lang="ru-RU"/>
           </a:p>
         </p:txBody>
       </p:sp>
       <p:pic>
         <p:nvPicPr>
-          <p:cNvPr id="18434" name="Picture 2" descr="G:\Женечек\Учеба\4курс\8семместр\Уир\Optix-Research\Report\Images\cuda-1.gif"/>
+          <p:cNvPr id="1026" name="Picture 2" descr="G:\Женечек\Учеба\4курс\8семместр\Уир\Optix-Research\Report\Images\fig1.PNG"/>
           <p:cNvPicPr>
             <a:picLocks noChangeAspect="1" noChangeArrowheads="1"/>
           </p:cNvPicPr>
@@ -5872,8 +6758,8 @@
         </p:blipFill>
         <p:spPr bwMode="auto">
           <a:xfrm>
-            <a:off x="2195736" y="1988840"/>
-            <a:ext cx="4991100" cy="4320480"/>
+            <a:off x="467545" y="2430463"/>
+            <a:ext cx="8208912" cy="3143250"/>
           </a:xfrm>
           <a:prstGeom prst="rect">
             <a:avLst/>
@@ -5886,13 +6772,6 @@
   <p:clrMapOvr>
     <a:masterClrMapping/>
   </p:clrMapOvr>
-  <p:timing>
-    <p:tnLst>
-      <p:par>
-        <p:cTn id="1" dur="indefinite" restart="never" nodeType="tmRoot"/>
-      </p:par>
-    </p:tnLst>
-  </p:timing>
 </p:sld>
 </file>
 
@@ -5930,11 +6809,11 @@
           <a:p>
             <a:r>
               <a:rPr lang="ru-RU" dirty="0" smtClean="0"/>
-              <a:t>Принципы движка </a:t>
-            </a:r>
-            <a:r>
-              <a:rPr lang="en-US" dirty="0" err="1" smtClean="0"/>
-              <a:t>Optix</a:t>
+              <a:t>Пример </a:t>
+            </a:r>
+            <a:r>
+              <a:rPr lang="en-US" dirty="0" smtClean="0"/>
+              <a:t>glass</a:t>
             </a:r>
             <a:endParaRPr lang="ru-RU" dirty="0"/>
           </a:p>
@@ -5950,146 +6829,492 @@
             <p:ph idx="1"/>
           </p:nvPr>
         </p:nvSpPr>
-        <p:spPr/>
+        <p:spPr>
+          <a:xfrm>
+            <a:off x="395536" y="1844824"/>
+            <a:ext cx="8229600" cy="4389120"/>
+          </a:xfrm>
+        </p:spPr>
         <p:txBody>
           <a:bodyPr>
-            <a:normAutofit lnSpcReduction="10000"/>
+            <a:normAutofit fontScale="77500" lnSpcReduction="20000"/>
           </a:bodyPr>
           <a:lstStyle/>
           <a:p>
-            <a:r>
-              <a:rPr lang="ru-RU" dirty="0" smtClean="0"/>
+            <a:pPr>
+              <a:buNone/>
+            </a:pPr>
+            <a:r>
+              <a:rPr lang="en-US" dirty="0" err="1" smtClean="0">
+                <a:latin typeface="Times New Roman" pitchFamily="18" charset="0"/>
+                <a:cs typeface="Times New Roman" pitchFamily="18" charset="0"/>
+              </a:rPr>
+              <a:t>int</a:t>
+            </a:r>
+            <a:r>
+              <a:rPr lang="en-US" dirty="0" smtClean="0">
+                <a:latin typeface="Times New Roman" pitchFamily="18" charset="0"/>
+                <a:cs typeface="Times New Roman" pitchFamily="18" charset="0"/>
+              </a:rPr>
+              <a:t> main(</a:t>
+            </a:r>
+            <a:r>
+              <a:rPr lang="en-US" dirty="0" err="1" smtClean="0">
+                <a:latin typeface="Times New Roman" pitchFamily="18" charset="0"/>
+                <a:cs typeface="Times New Roman" pitchFamily="18" charset="0"/>
+              </a:rPr>
+              <a:t>int</a:t>
+            </a:r>
+            <a:r>
+              <a:rPr lang="en-US" dirty="0" smtClean="0">
+                <a:latin typeface="Times New Roman" pitchFamily="18" charset="0"/>
+                <a:cs typeface="Times New Roman" pitchFamily="18" charset="0"/>
+              </a:rPr>
               <a:t> </a:t>
             </a:r>
             <a:r>
-              <a:rPr lang="ru-RU" i="1" dirty="0" err="1" smtClean="0">
-                <a:solidFill>
-                  <a:srgbClr val="FF0000"/>
-                </a:solidFill>
-              </a:rPr>
-              <a:t>OptiX</a:t>
-            </a:r>
-            <a:r>
-              <a:rPr lang="ru-RU" dirty="0" smtClean="0"/>
+              <a:rPr lang="en-US" dirty="0" err="1" smtClean="0">
+                <a:latin typeface="Times New Roman" pitchFamily="18" charset="0"/>
+                <a:cs typeface="Times New Roman" pitchFamily="18" charset="0"/>
+              </a:rPr>
+              <a:t>argc</a:t>
+            </a:r>
+            <a:r>
+              <a:rPr lang="en-US" dirty="0" smtClean="0">
+                <a:latin typeface="Times New Roman" pitchFamily="18" charset="0"/>
+                <a:cs typeface="Times New Roman" pitchFamily="18" charset="0"/>
+              </a:rPr>
+              <a:t>, char* </a:t>
+            </a:r>
+            <a:r>
+              <a:rPr lang="en-US" dirty="0" err="1" smtClean="0">
+                <a:latin typeface="Times New Roman" pitchFamily="18" charset="0"/>
+                <a:cs typeface="Times New Roman" pitchFamily="18" charset="0"/>
+              </a:rPr>
+              <a:t>argv</a:t>
+            </a:r>
+            <a:r>
+              <a:rPr lang="en-US" dirty="0" smtClean="0">
+                <a:latin typeface="Times New Roman" pitchFamily="18" charset="0"/>
+                <a:cs typeface="Times New Roman" pitchFamily="18" charset="0"/>
+              </a:rPr>
+              <a:t>[])</a:t>
+            </a:r>
+            <a:endParaRPr lang="ru-RU" dirty="0" smtClean="0">
+              <a:latin typeface="Times New Roman" pitchFamily="18" charset="0"/>
+              <a:cs typeface="Times New Roman" pitchFamily="18" charset="0"/>
+            </a:endParaRPr>
+          </a:p>
+          <a:p>
+            <a:pPr>
+              <a:buNone/>
+            </a:pPr>
+            <a:r>
+              <a:rPr lang="en-US" dirty="0" smtClean="0">
+                <a:latin typeface="Times New Roman" pitchFamily="18" charset="0"/>
+                <a:cs typeface="Times New Roman" pitchFamily="18" charset="0"/>
+              </a:rPr>
+              <a:t>{</a:t>
+            </a:r>
+            <a:endParaRPr lang="ru-RU" dirty="0" smtClean="0">
+              <a:latin typeface="Times New Roman" pitchFamily="18" charset="0"/>
+              <a:cs typeface="Times New Roman" pitchFamily="18" charset="0"/>
+            </a:endParaRPr>
+          </a:p>
+          <a:p>
+            <a:pPr>
+              <a:buNone/>
+            </a:pPr>
+            <a:r>
+              <a:rPr lang="en-US" dirty="0" err="1" smtClean="0">
+                <a:latin typeface="Times New Roman" pitchFamily="18" charset="0"/>
+                <a:cs typeface="Times New Roman" pitchFamily="18" charset="0"/>
+              </a:rPr>
+              <a:t>GLUTDisplay</a:t>
+            </a:r>
+            <a:r>
+              <a:rPr lang="en-US" dirty="0" smtClean="0">
+                <a:latin typeface="Times New Roman" pitchFamily="18" charset="0"/>
+                <a:cs typeface="Times New Roman" pitchFamily="18" charset="0"/>
+              </a:rPr>
+              <a:t>::init( </a:t>
+            </a:r>
+            <a:r>
+              <a:rPr lang="en-US" dirty="0" err="1" smtClean="0">
+                <a:latin typeface="Times New Roman" pitchFamily="18" charset="0"/>
+                <a:cs typeface="Times New Roman" pitchFamily="18" charset="0"/>
+              </a:rPr>
+              <a:t>argc</a:t>
+            </a:r>
+            <a:r>
+              <a:rPr lang="en-US" dirty="0" smtClean="0">
+                <a:latin typeface="Times New Roman" pitchFamily="18" charset="0"/>
+                <a:cs typeface="Times New Roman" pitchFamily="18" charset="0"/>
+              </a:rPr>
+              <a:t>, </a:t>
+            </a:r>
+            <a:r>
+              <a:rPr lang="en-US" dirty="0" err="1" smtClean="0">
+                <a:latin typeface="Times New Roman" pitchFamily="18" charset="0"/>
+                <a:cs typeface="Times New Roman" pitchFamily="18" charset="0"/>
+              </a:rPr>
+              <a:t>argv</a:t>
+            </a:r>
+            <a:r>
+              <a:rPr lang="en-US" dirty="0" smtClean="0">
+                <a:latin typeface="Times New Roman" pitchFamily="18" charset="0"/>
+                <a:cs typeface="Times New Roman" pitchFamily="18" charset="0"/>
+              </a:rPr>
+              <a:t> );</a:t>
+            </a:r>
+          </a:p>
+          <a:p>
+            <a:pPr>
+              <a:buNone/>
+            </a:pPr>
+            <a:r>
+              <a:rPr lang="en-US" dirty="0" smtClean="0">
+                <a:latin typeface="Times New Roman" pitchFamily="18" charset="0"/>
+                <a:cs typeface="Times New Roman" pitchFamily="18" charset="0"/>
+              </a:rPr>
+              <a:t>…</a:t>
+            </a:r>
+          </a:p>
+          <a:p>
+            <a:pPr>
+              <a:buNone/>
+            </a:pPr>
+            <a:r>
+              <a:rPr lang="en-US" dirty="0" smtClean="0">
+                <a:latin typeface="Times New Roman" pitchFamily="18" charset="0"/>
+                <a:cs typeface="Times New Roman" pitchFamily="18" charset="0"/>
+              </a:rPr>
+              <a:t>try {</a:t>
+            </a:r>
+            <a:endParaRPr lang="ru-RU" dirty="0" smtClean="0">
+              <a:latin typeface="Times New Roman" pitchFamily="18" charset="0"/>
+              <a:cs typeface="Times New Roman" pitchFamily="18" charset="0"/>
+            </a:endParaRPr>
+          </a:p>
+          <a:p>
+            <a:pPr>
+              <a:buNone/>
+            </a:pPr>
+            <a:r>
+              <a:rPr lang="en-US" dirty="0" err="1" smtClean="0">
+                <a:latin typeface="Times New Roman" pitchFamily="18" charset="0"/>
+                <a:cs typeface="Times New Roman" pitchFamily="18" charset="0"/>
+              </a:rPr>
+              <a:t>GlassScene</a:t>
+            </a:r>
+            <a:r>
+              <a:rPr lang="en-US" dirty="0" smtClean="0">
+                <a:latin typeface="Times New Roman" pitchFamily="18" charset="0"/>
+                <a:cs typeface="Times New Roman" pitchFamily="18" charset="0"/>
+              </a:rPr>
+              <a:t> scene( </a:t>
+            </a:r>
+            <a:r>
+              <a:rPr lang="en-US" dirty="0" err="1" smtClean="0">
+                <a:latin typeface="Times New Roman" pitchFamily="18" charset="0"/>
+                <a:cs typeface="Times New Roman" pitchFamily="18" charset="0"/>
+              </a:rPr>
+              <a:t>obj_path</a:t>
+            </a:r>
+            <a:r>
+              <a:rPr lang="en-US" dirty="0" smtClean="0">
+                <a:latin typeface="Times New Roman" pitchFamily="18" charset="0"/>
+                <a:cs typeface="Times New Roman" pitchFamily="18" charset="0"/>
+              </a:rPr>
+              <a:t>, </a:t>
+            </a:r>
+            <a:r>
+              <a:rPr lang="en-US" dirty="0" err="1" smtClean="0">
+                <a:latin typeface="Times New Roman" pitchFamily="18" charset="0"/>
+                <a:cs typeface="Times New Roman" pitchFamily="18" charset="0"/>
+              </a:rPr>
+              <a:t>adaptive_aa</a:t>
+            </a:r>
+            <a:r>
+              <a:rPr lang="en-US" dirty="0" smtClean="0">
+                <a:latin typeface="Times New Roman" pitchFamily="18" charset="0"/>
+                <a:cs typeface="Times New Roman" pitchFamily="18" charset="0"/>
+              </a:rPr>
+              <a:t>, </a:t>
+            </a:r>
+            <a:r>
+              <a:rPr lang="en-US" dirty="0" err="1" smtClean="0">
+                <a:latin typeface="Times New Roman" pitchFamily="18" charset="0"/>
+                <a:cs typeface="Times New Roman" pitchFamily="18" charset="0"/>
+              </a:rPr>
+              <a:t>green_glass</a:t>
+            </a:r>
+            <a:r>
+              <a:rPr lang="en-US" dirty="0" smtClean="0">
+                <a:latin typeface="Times New Roman" pitchFamily="18" charset="0"/>
+                <a:cs typeface="Times New Roman" pitchFamily="18" charset="0"/>
+              </a:rPr>
+              <a:t> );</a:t>
+            </a:r>
+            <a:endParaRPr lang="ru-RU" dirty="0" smtClean="0">
+              <a:latin typeface="Times New Roman" pitchFamily="18" charset="0"/>
+              <a:cs typeface="Times New Roman" pitchFamily="18" charset="0"/>
+            </a:endParaRPr>
+          </a:p>
+          <a:p>
+            <a:pPr>
+              <a:buNone/>
+            </a:pPr>
+            <a:r>
+              <a:rPr lang="en-US" dirty="0" err="1" smtClean="0">
+                <a:latin typeface="Times New Roman" pitchFamily="18" charset="0"/>
+                <a:cs typeface="Times New Roman" pitchFamily="18" charset="0"/>
+              </a:rPr>
+              <a:t>GLUTDisplay</a:t>
+            </a:r>
+            <a:r>
+              <a:rPr lang="en-US" dirty="0" smtClean="0">
+                <a:latin typeface="Times New Roman" pitchFamily="18" charset="0"/>
+                <a:cs typeface="Times New Roman" pitchFamily="18" charset="0"/>
+              </a:rPr>
+              <a:t>::</a:t>
+            </a:r>
+            <a:r>
+              <a:rPr lang="en-US" dirty="0" err="1" smtClean="0">
+                <a:latin typeface="Times New Roman" pitchFamily="18" charset="0"/>
+                <a:cs typeface="Times New Roman" pitchFamily="18" charset="0"/>
+              </a:rPr>
+              <a:t>setTextColor</a:t>
+            </a:r>
+            <a:r>
+              <a:rPr lang="en-US" dirty="0" smtClean="0">
+                <a:latin typeface="Times New Roman" pitchFamily="18" charset="0"/>
+                <a:cs typeface="Times New Roman" pitchFamily="18" charset="0"/>
+              </a:rPr>
+              <a:t>( make_float3( 0.2f ) );</a:t>
+            </a:r>
+            <a:endParaRPr lang="ru-RU" dirty="0" smtClean="0">
+              <a:latin typeface="Times New Roman" pitchFamily="18" charset="0"/>
+              <a:cs typeface="Times New Roman" pitchFamily="18" charset="0"/>
+            </a:endParaRPr>
+          </a:p>
+          <a:p>
+            <a:pPr>
+              <a:buNone/>
+            </a:pPr>
+            <a:r>
+              <a:rPr lang="en-US" dirty="0" err="1" smtClean="0">
+                <a:latin typeface="Times New Roman" pitchFamily="18" charset="0"/>
+                <a:cs typeface="Times New Roman" pitchFamily="18" charset="0"/>
+              </a:rPr>
+              <a:t>GLUTDisplay</a:t>
+            </a:r>
+            <a:r>
+              <a:rPr lang="en-US" dirty="0" smtClean="0">
+                <a:latin typeface="Times New Roman" pitchFamily="18" charset="0"/>
+                <a:cs typeface="Times New Roman" pitchFamily="18" charset="0"/>
+              </a:rPr>
+              <a:t>::</a:t>
+            </a:r>
+            <a:r>
+              <a:rPr lang="en-US" dirty="0" err="1" smtClean="0">
+                <a:latin typeface="Times New Roman" pitchFamily="18" charset="0"/>
+                <a:cs typeface="Times New Roman" pitchFamily="18" charset="0"/>
+              </a:rPr>
+              <a:t>setTextShadowColor</a:t>
+            </a:r>
+            <a:r>
+              <a:rPr lang="en-US" dirty="0" smtClean="0">
+                <a:latin typeface="Times New Roman" pitchFamily="18" charset="0"/>
+                <a:cs typeface="Times New Roman" pitchFamily="18" charset="0"/>
+              </a:rPr>
+              <a:t>( make_float3( 0.9f ) );</a:t>
+            </a:r>
+            <a:endParaRPr lang="ru-RU" dirty="0" smtClean="0">
+              <a:latin typeface="Times New Roman" pitchFamily="18" charset="0"/>
+              <a:cs typeface="Times New Roman" pitchFamily="18" charset="0"/>
+            </a:endParaRPr>
+          </a:p>
+          <a:p>
+            <a:pPr>
+              <a:buNone/>
+            </a:pPr>
+            <a:r>
+              <a:rPr lang="en-US" dirty="0" err="1" smtClean="0">
+                <a:latin typeface="Times New Roman" pitchFamily="18" charset="0"/>
+                <a:cs typeface="Times New Roman" pitchFamily="18" charset="0"/>
+              </a:rPr>
+              <a:t>GLUTDisplay</a:t>
+            </a:r>
+            <a:r>
+              <a:rPr lang="en-US" dirty="0" smtClean="0">
+                <a:latin typeface="Times New Roman" pitchFamily="18" charset="0"/>
+                <a:cs typeface="Times New Roman" pitchFamily="18" charset="0"/>
+              </a:rPr>
+              <a:t>::run( "</a:t>
+            </a:r>
+            <a:r>
+              <a:rPr lang="en-US" dirty="0" err="1" smtClean="0">
+                <a:latin typeface="Times New Roman" pitchFamily="18" charset="0"/>
+                <a:cs typeface="Times New Roman" pitchFamily="18" charset="0"/>
+              </a:rPr>
+              <a:t>GlassScene</a:t>
+            </a:r>
+            <a:r>
+              <a:rPr lang="en-US" dirty="0" smtClean="0">
+                <a:latin typeface="Times New Roman" pitchFamily="18" charset="0"/>
+                <a:cs typeface="Times New Roman" pitchFamily="18" charset="0"/>
+              </a:rPr>
+              <a:t>", &amp;scene, </a:t>
+            </a:r>
+            <a:r>
+              <a:rPr lang="en-US" dirty="0" err="1" smtClean="0">
+                <a:latin typeface="Times New Roman" pitchFamily="18" charset="0"/>
+                <a:cs typeface="Times New Roman" pitchFamily="18" charset="0"/>
+              </a:rPr>
+              <a:t>adaptive_aa</a:t>
+            </a:r>
+            <a:r>
+              <a:rPr lang="en-US" dirty="0" smtClean="0">
+                <a:latin typeface="Times New Roman" pitchFamily="18" charset="0"/>
+                <a:cs typeface="Times New Roman" pitchFamily="18" charset="0"/>
+              </a:rPr>
+              <a:t> ? </a:t>
+            </a:r>
+            <a:r>
+              <a:rPr lang="en-US" dirty="0" err="1" smtClean="0">
+                <a:latin typeface="Times New Roman" pitchFamily="18" charset="0"/>
+                <a:cs typeface="Times New Roman" pitchFamily="18" charset="0"/>
+              </a:rPr>
+              <a:t>GLUTDisplay</a:t>
+            </a:r>
+            <a:r>
+              <a:rPr lang="en-US" dirty="0" smtClean="0">
+                <a:latin typeface="Times New Roman" pitchFamily="18" charset="0"/>
+                <a:cs typeface="Times New Roman" pitchFamily="18" charset="0"/>
+              </a:rPr>
+              <a:t>::</a:t>
+            </a:r>
+            <a:r>
+              <a:rPr lang="en-US" dirty="0" err="1" smtClean="0">
+                <a:latin typeface="Times New Roman" pitchFamily="18" charset="0"/>
+                <a:cs typeface="Times New Roman" pitchFamily="18" charset="0"/>
+              </a:rPr>
+              <a:t>CDProgressive</a:t>
+            </a:r>
+            <a:r>
+              <a:rPr lang="en-US" dirty="0" smtClean="0">
+                <a:latin typeface="Times New Roman" pitchFamily="18" charset="0"/>
+                <a:cs typeface="Times New Roman" pitchFamily="18" charset="0"/>
+              </a:rPr>
+              <a:t> : </a:t>
+            </a:r>
+            <a:r>
+              <a:rPr lang="en-US" dirty="0" err="1" smtClean="0">
+                <a:latin typeface="Times New Roman" pitchFamily="18" charset="0"/>
+                <a:cs typeface="Times New Roman" pitchFamily="18" charset="0"/>
+              </a:rPr>
+              <a:t>GLUTDisplay</a:t>
+            </a:r>
+            <a:r>
+              <a:rPr lang="en-US" dirty="0" smtClean="0">
+                <a:latin typeface="Times New Roman" pitchFamily="18" charset="0"/>
+                <a:cs typeface="Times New Roman" pitchFamily="18" charset="0"/>
+              </a:rPr>
+              <a:t>::</a:t>
+            </a:r>
+            <a:r>
+              <a:rPr lang="en-US" dirty="0" err="1" smtClean="0">
+                <a:latin typeface="Times New Roman" pitchFamily="18" charset="0"/>
+                <a:cs typeface="Times New Roman" pitchFamily="18" charset="0"/>
+              </a:rPr>
+              <a:t>CDNone</a:t>
+            </a:r>
+            <a:r>
+              <a:rPr lang="en-US" dirty="0" smtClean="0">
+                <a:latin typeface="Times New Roman" pitchFamily="18" charset="0"/>
+                <a:cs typeface="Times New Roman" pitchFamily="18" charset="0"/>
+              </a:rPr>
+              <a:t> );</a:t>
+            </a:r>
+            <a:endParaRPr lang="ru-RU" dirty="0" smtClean="0">
+              <a:latin typeface="Times New Roman" pitchFamily="18" charset="0"/>
+              <a:cs typeface="Times New Roman" pitchFamily="18" charset="0"/>
+            </a:endParaRPr>
+          </a:p>
+          <a:p>
+            <a:pPr>
+              <a:buNone/>
+            </a:pPr>
+            <a:r>
+              <a:rPr lang="en-US" dirty="0" smtClean="0">
+                <a:latin typeface="Times New Roman" pitchFamily="18" charset="0"/>
+                <a:cs typeface="Times New Roman" pitchFamily="18" charset="0"/>
+              </a:rPr>
+              <a:t>} </a:t>
+            </a:r>
+          </a:p>
+          <a:p>
+            <a:pPr>
+              <a:buNone/>
+            </a:pPr>
+            <a:r>
+              <a:rPr lang="en-US" dirty="0" smtClean="0">
+                <a:latin typeface="Times New Roman" pitchFamily="18" charset="0"/>
+                <a:cs typeface="Times New Roman" pitchFamily="18" charset="0"/>
+              </a:rPr>
+              <a:t>…</a:t>
+            </a:r>
+          </a:p>
+          <a:p>
+            <a:pPr>
+              <a:buNone/>
+            </a:pPr>
+            <a:r>
+              <a:rPr lang="ru-RU" dirty="0" err="1" smtClean="0">
+                <a:latin typeface="Times New Roman" pitchFamily="18" charset="0"/>
+                <a:cs typeface="Times New Roman" pitchFamily="18" charset="0"/>
+              </a:rPr>
+              <a:t>return</a:t>
+            </a:r>
+            <a:r>
+              <a:rPr lang="ru-RU" dirty="0" smtClean="0">
+                <a:latin typeface="Times New Roman" pitchFamily="18" charset="0"/>
+                <a:cs typeface="Times New Roman" pitchFamily="18" charset="0"/>
+              </a:rPr>
               <a:t> </a:t>
             </a:r>
             <a:r>
-              <a:rPr lang="ru-RU" dirty="0" smtClean="0"/>
-              <a:t>- </a:t>
-            </a:r>
-            <a:r>
-              <a:rPr lang="ru-RU" dirty="0" smtClean="0"/>
-              <a:t>механизм трассировки лучей общего назначения. </a:t>
-            </a:r>
-            <a:endParaRPr lang="en-US" dirty="0" smtClean="0"/>
-          </a:p>
-          <a:p>
-            <a:r>
-              <a:rPr lang="ru-RU" i="1" dirty="0" smtClean="0">
-                <a:solidFill>
-                  <a:srgbClr val="FF0000"/>
-                </a:solidFill>
-              </a:rPr>
-              <a:t>Особенности:</a:t>
-            </a:r>
+              <a:rPr lang="ru-RU" dirty="0" smtClean="0">
+                <a:latin typeface="Times New Roman" pitchFamily="18" charset="0"/>
+                <a:cs typeface="Times New Roman" pitchFamily="18" charset="0"/>
+              </a:rPr>
+              <a:t>0;</a:t>
+            </a:r>
+            <a:endParaRPr lang="ru-RU" dirty="0" smtClean="0">
+              <a:latin typeface="Times New Roman" pitchFamily="18" charset="0"/>
+              <a:cs typeface="Times New Roman" pitchFamily="18" charset="0"/>
+            </a:endParaRPr>
           </a:p>
           <a:p>
             <a:pPr>
-              <a:buFont typeface="Wingdings" pitchFamily="2" charset="2"/>
-              <a:buChar char="v"/>
+              <a:buNone/>
             </a:pPr>
             <a:r>
-              <a:rPr lang="ru-RU" i="1" dirty="0" smtClean="0">
-                <a:solidFill>
-                  <a:srgbClr val="FF0000"/>
-                </a:solidFill>
-              </a:rPr>
-              <a:t> </a:t>
-            </a:r>
-            <a:r>
-              <a:rPr lang="ru-RU" dirty="0" smtClean="0"/>
-              <a:t>1.</a:t>
-            </a:r>
-            <a:r>
-              <a:rPr lang="ru-RU" dirty="0" smtClean="0"/>
-              <a:t> Общий низкоуровневый механизм трассировки лучей. </a:t>
-            </a:r>
+              <a:rPr lang="ru-RU" dirty="0" smtClean="0">
+                <a:latin typeface="Times New Roman" pitchFamily="18" charset="0"/>
+                <a:cs typeface="Times New Roman" pitchFamily="18" charset="0"/>
+              </a:rPr>
+              <a:t>}</a:t>
+            </a:r>
+          </a:p>
+          <a:p>
+            <a:pPr>
+              <a:buNone/>
+            </a:pPr>
             <a:endParaRPr lang="ru-RU" dirty="0" smtClean="0"/>
           </a:p>
           <a:p>
-            <a:pPr>
-              <a:buFont typeface="Wingdings" pitchFamily="2" charset="2"/>
-              <a:buChar char="v"/>
-            </a:pPr>
-            <a:r>
-              <a:rPr lang="ru-RU" dirty="0" smtClean="0"/>
-              <a:t> </a:t>
-            </a:r>
-            <a:r>
-              <a:rPr lang="ru-RU" dirty="0" smtClean="0"/>
-              <a:t>2. Программируемый </a:t>
-            </a:r>
-            <a:r>
-              <a:rPr lang="ru-RU" dirty="0" smtClean="0"/>
-              <a:t>конвейер трассировки лучей. </a:t>
-            </a:r>
-            <a:endParaRPr lang="ru-RU" dirty="0" smtClean="0"/>
-          </a:p>
-          <a:p>
-            <a:pPr>
-              <a:buFont typeface="Wingdings" pitchFamily="2" charset="2"/>
-              <a:buChar char="v"/>
-            </a:pPr>
-            <a:r>
-              <a:rPr lang="ru-RU" dirty="0" smtClean="0"/>
-              <a:t> </a:t>
-            </a:r>
-            <a:r>
-              <a:rPr lang="ru-RU" dirty="0" smtClean="0"/>
-              <a:t>3. </a:t>
-            </a:r>
-            <a:r>
-              <a:rPr lang="ru-RU" dirty="0" smtClean="0"/>
-              <a:t>Простая модель программирования. </a:t>
-            </a:r>
-            <a:endParaRPr lang="ru-RU" dirty="0" smtClean="0"/>
-          </a:p>
-          <a:p>
-            <a:pPr>
-              <a:buFont typeface="Wingdings" pitchFamily="2" charset="2"/>
-              <a:buChar char="v"/>
-            </a:pPr>
-            <a:r>
-              <a:rPr lang="ru-RU" dirty="0" smtClean="0"/>
-              <a:t> </a:t>
-            </a:r>
-            <a:r>
-              <a:rPr lang="ru-RU" dirty="0" smtClean="0"/>
-              <a:t>4. </a:t>
-            </a:r>
-            <a:r>
-              <a:rPr lang="ru-RU" dirty="0" smtClean="0"/>
-              <a:t>Проблемно-ориентированный компилятор. </a:t>
-            </a:r>
-            <a:endParaRPr lang="ru-RU" dirty="0" smtClean="0"/>
-          </a:p>
-          <a:p>
-            <a:pPr>
-              <a:buFont typeface="Wingdings" pitchFamily="2" charset="2"/>
-              <a:buChar char="v"/>
-            </a:pPr>
-            <a:r>
-              <a:rPr lang="ru-RU" dirty="0" smtClean="0"/>
-              <a:t> </a:t>
-            </a:r>
-            <a:r>
-              <a:rPr lang="ru-RU" dirty="0" smtClean="0"/>
-              <a:t>5. </a:t>
-            </a:r>
-            <a:r>
-              <a:rPr lang="ru-RU" dirty="0" smtClean="0"/>
-              <a:t>Эффективное представление сцены. </a:t>
-            </a:r>
             <a:endParaRPr lang="ru-RU" dirty="0"/>
           </a:p>
         </p:txBody>
@@ -6141,14 +7366,6 @@
           <a:bodyPr/>
           <a:lstStyle/>
           <a:p>
-            <a:r>
-              <a:rPr lang="ru-RU" dirty="0" smtClean="0"/>
-              <a:t>Пример </a:t>
-            </a:r>
-            <a:r>
-              <a:rPr lang="en-US" dirty="0" smtClean="0"/>
-              <a:t>glass</a:t>
-            </a:r>
             <a:endParaRPr lang="ru-RU" dirty="0"/>
           </a:p>
         </p:txBody>
@@ -6165,304 +7382,328 @@
         </p:nvSpPr>
         <p:spPr/>
         <p:txBody>
-          <a:bodyPr>
-            <a:normAutofit fontScale="77500" lnSpcReduction="20000"/>
-          </a:bodyPr>
+          <a:bodyPr/>
           <a:lstStyle/>
+          <a:p>
+            <a:r>
+              <a:rPr lang="ru-RU" b="1" i="1" dirty="0" smtClean="0">
+                <a:solidFill>
+                  <a:srgbClr val="FF0000"/>
+                </a:solidFill>
+                <a:latin typeface="Times New Roman" pitchFamily="18" charset="0"/>
+                <a:cs typeface="Times New Roman" pitchFamily="18" charset="0"/>
+              </a:rPr>
+              <a:t>Для корректной работы с </a:t>
+            </a:r>
+            <a:r>
+              <a:rPr lang="ru-RU" b="1" i="1" dirty="0" err="1" smtClean="0">
+                <a:solidFill>
+                  <a:srgbClr val="FF0000"/>
+                </a:solidFill>
+                <a:latin typeface="Times New Roman" pitchFamily="18" charset="0"/>
+                <a:cs typeface="Times New Roman" pitchFamily="18" charset="0"/>
+              </a:rPr>
+              <a:t>GLUTDisplay</a:t>
+            </a:r>
+            <a:r>
+              <a:rPr lang="ru-RU" b="1" i="1" dirty="0" smtClean="0">
+                <a:solidFill>
+                  <a:srgbClr val="FF0000"/>
+                </a:solidFill>
+                <a:latin typeface="Times New Roman" pitchFamily="18" charset="0"/>
+                <a:cs typeface="Times New Roman" pitchFamily="18" charset="0"/>
+              </a:rPr>
+              <a:t> класс </a:t>
+            </a:r>
+            <a:r>
+              <a:rPr lang="ru-RU" b="1" i="1" dirty="0" err="1" smtClean="0">
+                <a:solidFill>
+                  <a:srgbClr val="FF0000"/>
+                </a:solidFill>
+                <a:latin typeface="Times New Roman" pitchFamily="18" charset="0"/>
+                <a:cs typeface="Times New Roman" pitchFamily="18" charset="0"/>
+              </a:rPr>
+              <a:t>GlassScene</a:t>
+            </a:r>
+            <a:r>
+              <a:rPr lang="ru-RU" b="1" i="1" dirty="0" smtClean="0">
+                <a:solidFill>
+                  <a:srgbClr val="FF0000"/>
+                </a:solidFill>
+                <a:latin typeface="Times New Roman" pitchFamily="18" charset="0"/>
+                <a:cs typeface="Times New Roman" pitchFamily="18" charset="0"/>
+              </a:rPr>
+              <a:t> должен иметь следующие методы:</a:t>
+            </a:r>
+            <a:endParaRPr lang="en-US" b="1" i="1" dirty="0" smtClean="0">
+              <a:solidFill>
+                <a:srgbClr val="FF0000"/>
+              </a:solidFill>
+              <a:latin typeface="Times New Roman" pitchFamily="18" charset="0"/>
+              <a:cs typeface="Times New Roman" pitchFamily="18" charset="0"/>
+            </a:endParaRPr>
+          </a:p>
           <a:p>
             <a:pPr>
               <a:buNone/>
             </a:pPr>
             <a:r>
-              <a:rPr lang="en-US" dirty="0" err="1" smtClean="0"/>
-              <a:t>int</a:t>
-            </a:r>
-            <a:r>
-              <a:rPr lang="en-US" dirty="0" smtClean="0"/>
-              <a:t> main(</a:t>
-            </a:r>
-            <a:r>
-              <a:rPr lang="en-US" dirty="0" err="1" smtClean="0"/>
-              <a:t>int</a:t>
-            </a:r>
-            <a:r>
-              <a:rPr lang="en-US" dirty="0" smtClean="0"/>
-              <a:t> </a:t>
-            </a:r>
-            <a:r>
-              <a:rPr lang="en-US" dirty="0" err="1" smtClean="0"/>
-              <a:t>argc</a:t>
-            </a:r>
-            <a:r>
-              <a:rPr lang="en-US" dirty="0" smtClean="0"/>
-              <a:t>, char* </a:t>
-            </a:r>
-            <a:r>
-              <a:rPr lang="en-US" dirty="0" err="1" smtClean="0"/>
-              <a:t>argv</a:t>
-            </a:r>
-            <a:r>
-              <a:rPr lang="en-US" dirty="0" smtClean="0"/>
-              <a:t>[])</a:t>
-            </a:r>
-            <a:endParaRPr lang="ru-RU" dirty="0" smtClean="0"/>
+              <a:rPr lang="en-US" dirty="0" smtClean="0">
+                <a:latin typeface="Times New Roman" pitchFamily="18" charset="0"/>
+                <a:cs typeface="Times New Roman" pitchFamily="18" charset="0"/>
+              </a:rPr>
+              <a:t> void </a:t>
+            </a:r>
+            <a:r>
+              <a:rPr lang="en-US" dirty="0" err="1" smtClean="0">
+                <a:latin typeface="Times New Roman" pitchFamily="18" charset="0"/>
+                <a:cs typeface="Times New Roman" pitchFamily="18" charset="0"/>
+              </a:rPr>
+              <a:t>initScene</a:t>
+            </a:r>
+            <a:r>
+              <a:rPr lang="en-US" dirty="0" smtClean="0">
+                <a:latin typeface="Times New Roman" pitchFamily="18" charset="0"/>
+                <a:cs typeface="Times New Roman" pitchFamily="18" charset="0"/>
+              </a:rPr>
+              <a:t>( </a:t>
+            </a:r>
+            <a:r>
+              <a:rPr lang="en-US" dirty="0" err="1" smtClean="0">
+                <a:latin typeface="Times New Roman" pitchFamily="18" charset="0"/>
+                <a:cs typeface="Times New Roman" pitchFamily="18" charset="0"/>
+              </a:rPr>
+              <a:t>InitialCameraData</a:t>
+            </a:r>
+            <a:r>
+              <a:rPr lang="en-US" dirty="0" smtClean="0">
+                <a:latin typeface="Times New Roman" pitchFamily="18" charset="0"/>
+                <a:cs typeface="Times New Roman" pitchFamily="18" charset="0"/>
+              </a:rPr>
+              <a:t>&amp; </a:t>
+            </a:r>
+            <a:r>
+              <a:rPr lang="en-US" dirty="0" err="1" smtClean="0">
+                <a:latin typeface="Times New Roman" pitchFamily="18" charset="0"/>
+                <a:cs typeface="Times New Roman" pitchFamily="18" charset="0"/>
+              </a:rPr>
+              <a:t>camera_data</a:t>
+            </a:r>
+            <a:r>
+              <a:rPr lang="en-US" dirty="0" smtClean="0">
+                <a:latin typeface="Times New Roman" pitchFamily="18" charset="0"/>
+                <a:cs typeface="Times New Roman" pitchFamily="18" charset="0"/>
+              </a:rPr>
+              <a:t> );</a:t>
+            </a:r>
+            <a:endParaRPr lang="ru-RU" dirty="0" smtClean="0">
+              <a:latin typeface="Times New Roman" pitchFamily="18" charset="0"/>
+              <a:cs typeface="Times New Roman" pitchFamily="18" charset="0"/>
+            </a:endParaRPr>
           </a:p>
           <a:p>
             <a:pPr>
               <a:buNone/>
             </a:pPr>
             <a:r>
-              <a:rPr lang="en-US" dirty="0" smtClean="0"/>
-              <a:t>{</a:t>
-            </a:r>
-            <a:endParaRPr lang="ru-RU" dirty="0" smtClean="0"/>
+              <a:rPr lang="en-US" dirty="0" smtClean="0">
+                <a:latin typeface="Times New Roman" pitchFamily="18" charset="0"/>
+                <a:cs typeface="Times New Roman" pitchFamily="18" charset="0"/>
+              </a:rPr>
+              <a:t> void trace( const </a:t>
+            </a:r>
+            <a:r>
+              <a:rPr lang="en-US" dirty="0" err="1" smtClean="0">
+                <a:latin typeface="Times New Roman" pitchFamily="18" charset="0"/>
+                <a:cs typeface="Times New Roman" pitchFamily="18" charset="0"/>
+              </a:rPr>
+              <a:t>RayGenCameraData</a:t>
+            </a:r>
+            <a:r>
+              <a:rPr lang="en-US" dirty="0" smtClean="0">
+                <a:latin typeface="Times New Roman" pitchFamily="18" charset="0"/>
+                <a:cs typeface="Times New Roman" pitchFamily="18" charset="0"/>
+              </a:rPr>
+              <a:t>&amp; </a:t>
+            </a:r>
+            <a:r>
+              <a:rPr lang="en-US" dirty="0" err="1" smtClean="0">
+                <a:latin typeface="Times New Roman" pitchFamily="18" charset="0"/>
+                <a:cs typeface="Times New Roman" pitchFamily="18" charset="0"/>
+              </a:rPr>
+              <a:t>camera_data</a:t>
+            </a:r>
+            <a:r>
+              <a:rPr lang="en-US" dirty="0" smtClean="0">
+                <a:latin typeface="Times New Roman" pitchFamily="18" charset="0"/>
+                <a:cs typeface="Times New Roman" pitchFamily="18" charset="0"/>
+              </a:rPr>
+              <a:t> );</a:t>
+            </a:r>
+            <a:endParaRPr lang="ru-RU" dirty="0" smtClean="0">
+              <a:latin typeface="Times New Roman" pitchFamily="18" charset="0"/>
+              <a:cs typeface="Times New Roman" pitchFamily="18" charset="0"/>
+            </a:endParaRPr>
           </a:p>
           <a:p>
             <a:pPr>
               <a:buNone/>
             </a:pPr>
             <a:r>
-              <a:rPr lang="en-US" dirty="0" err="1" smtClean="0"/>
-              <a:t>GLUTDisplay</a:t>
-            </a:r>
-            <a:r>
-              <a:rPr lang="en-US" dirty="0" smtClean="0"/>
-              <a:t>::init( </a:t>
-            </a:r>
-            <a:r>
-              <a:rPr lang="en-US" dirty="0" err="1" smtClean="0"/>
-              <a:t>argc</a:t>
-            </a:r>
-            <a:r>
-              <a:rPr lang="en-US" dirty="0" smtClean="0"/>
-              <a:t>, </a:t>
-            </a:r>
-            <a:r>
-              <a:rPr lang="en-US" dirty="0" err="1" smtClean="0"/>
-              <a:t>argv</a:t>
-            </a:r>
-            <a:r>
-              <a:rPr lang="en-US" dirty="0" smtClean="0"/>
-              <a:t> </a:t>
-            </a:r>
-            <a:r>
-              <a:rPr lang="en-US" dirty="0" smtClean="0"/>
-              <a:t>);</a:t>
-            </a:r>
+              <a:rPr lang="en-US" dirty="0" smtClean="0">
+                <a:latin typeface="Times New Roman" pitchFamily="18" charset="0"/>
+                <a:cs typeface="Times New Roman" pitchFamily="18" charset="0"/>
+              </a:rPr>
+              <a:t> void </a:t>
+            </a:r>
+            <a:r>
+              <a:rPr lang="en-US" dirty="0" err="1" smtClean="0">
+                <a:latin typeface="Times New Roman" pitchFamily="18" charset="0"/>
+                <a:cs typeface="Times New Roman" pitchFamily="18" charset="0"/>
+              </a:rPr>
+              <a:t>doResize</a:t>
+            </a:r>
+            <a:r>
+              <a:rPr lang="en-US" dirty="0" smtClean="0">
+                <a:latin typeface="Times New Roman" pitchFamily="18" charset="0"/>
+                <a:cs typeface="Times New Roman" pitchFamily="18" charset="0"/>
+              </a:rPr>
+              <a:t>( unsigned </a:t>
+            </a:r>
+            <a:r>
+              <a:rPr lang="en-US" dirty="0" err="1" smtClean="0">
+                <a:latin typeface="Times New Roman" pitchFamily="18" charset="0"/>
+                <a:cs typeface="Times New Roman" pitchFamily="18" charset="0"/>
+              </a:rPr>
+              <a:t>int</a:t>
+            </a:r>
+            <a:r>
+              <a:rPr lang="en-US" dirty="0" smtClean="0">
+                <a:latin typeface="Times New Roman" pitchFamily="18" charset="0"/>
+                <a:cs typeface="Times New Roman" pitchFamily="18" charset="0"/>
+              </a:rPr>
+              <a:t> width, unsigned </a:t>
+            </a:r>
+            <a:r>
+              <a:rPr lang="en-US" dirty="0" err="1" smtClean="0">
+                <a:latin typeface="Times New Roman" pitchFamily="18" charset="0"/>
+                <a:cs typeface="Times New Roman" pitchFamily="18" charset="0"/>
+              </a:rPr>
+              <a:t>int</a:t>
+            </a:r>
+            <a:r>
+              <a:rPr lang="en-US" dirty="0" smtClean="0">
+                <a:latin typeface="Times New Roman" pitchFamily="18" charset="0"/>
+                <a:cs typeface="Times New Roman" pitchFamily="18" charset="0"/>
+              </a:rPr>
+              <a:t> depth );</a:t>
+            </a:r>
+            <a:endParaRPr lang="ru-RU" dirty="0" smtClean="0">
+              <a:latin typeface="Times New Roman" pitchFamily="18" charset="0"/>
+              <a:cs typeface="Times New Roman" pitchFamily="18" charset="0"/>
+            </a:endParaRPr>
           </a:p>
           <a:p>
             <a:pPr>
               <a:buNone/>
             </a:pPr>
             <a:r>
-              <a:rPr lang="en-US" dirty="0" smtClean="0"/>
-              <a:t>…</a:t>
-            </a:r>
+              <a:rPr lang="en-US" dirty="0" smtClean="0">
+                <a:latin typeface="Times New Roman" pitchFamily="18" charset="0"/>
+                <a:cs typeface="Times New Roman" pitchFamily="18" charset="0"/>
+              </a:rPr>
+              <a:t> Buffer </a:t>
+            </a:r>
+            <a:r>
+              <a:rPr lang="en-US" dirty="0" err="1" smtClean="0">
+                <a:latin typeface="Times New Roman" pitchFamily="18" charset="0"/>
+                <a:cs typeface="Times New Roman" pitchFamily="18" charset="0"/>
+              </a:rPr>
+              <a:t>getOutputBuffer</a:t>
+            </a:r>
+            <a:r>
+              <a:rPr lang="en-US" dirty="0" smtClean="0">
+                <a:latin typeface="Times New Roman" pitchFamily="18" charset="0"/>
+                <a:cs typeface="Times New Roman" pitchFamily="18" charset="0"/>
+              </a:rPr>
+              <a:t>();</a:t>
+            </a:r>
+            <a:endParaRPr lang="ru-RU" dirty="0" smtClean="0">
+              <a:latin typeface="Times New Roman" pitchFamily="18" charset="0"/>
+              <a:cs typeface="Times New Roman" pitchFamily="18" charset="0"/>
+            </a:endParaRPr>
           </a:p>
           <a:p>
             <a:pPr>
               <a:buNone/>
             </a:pPr>
             <a:r>
-              <a:rPr lang="en-US" dirty="0" smtClean="0"/>
-              <a:t>try {</a:t>
-            </a:r>
-            <a:endParaRPr lang="ru-RU" dirty="0" smtClean="0"/>
-          </a:p>
-          <a:p>
-            <a:pPr>
-              <a:buNone/>
-            </a:pPr>
-            <a:r>
-              <a:rPr lang="en-US" dirty="0" err="1" smtClean="0"/>
-              <a:t>GlassScene</a:t>
-            </a:r>
-            <a:r>
-              <a:rPr lang="en-US" dirty="0" smtClean="0"/>
-              <a:t> scene( </a:t>
-            </a:r>
-            <a:r>
-              <a:rPr lang="en-US" dirty="0" err="1" smtClean="0"/>
-              <a:t>obj_path</a:t>
-            </a:r>
-            <a:r>
-              <a:rPr lang="en-US" dirty="0" smtClean="0"/>
-              <a:t>, </a:t>
-            </a:r>
-            <a:r>
-              <a:rPr lang="en-US" dirty="0" err="1" smtClean="0"/>
-              <a:t>adaptive_aa</a:t>
-            </a:r>
-            <a:r>
-              <a:rPr lang="en-US" dirty="0" smtClean="0"/>
-              <a:t>, </a:t>
-            </a:r>
-            <a:r>
-              <a:rPr lang="en-US" dirty="0" err="1" smtClean="0"/>
-              <a:t>green_glass</a:t>
-            </a:r>
-            <a:r>
-              <a:rPr lang="en-US" dirty="0" smtClean="0"/>
-              <a:t> );</a:t>
-            </a:r>
-            <a:endParaRPr lang="ru-RU" dirty="0" smtClean="0"/>
-          </a:p>
-          <a:p>
-            <a:pPr>
-              <a:buNone/>
-            </a:pPr>
-            <a:r>
-              <a:rPr lang="en-US" dirty="0" err="1" smtClean="0"/>
-              <a:t>GLUTDisplay</a:t>
-            </a:r>
-            <a:r>
-              <a:rPr lang="en-US" dirty="0" smtClean="0"/>
-              <a:t>::</a:t>
-            </a:r>
-            <a:r>
-              <a:rPr lang="en-US" dirty="0" err="1" smtClean="0"/>
-              <a:t>setTextColor</a:t>
-            </a:r>
-            <a:r>
-              <a:rPr lang="en-US" dirty="0" smtClean="0"/>
-              <a:t>( make_float3( 0.2f ) );</a:t>
-            </a:r>
-            <a:endParaRPr lang="ru-RU" dirty="0" smtClean="0"/>
-          </a:p>
-          <a:p>
-            <a:pPr>
-              <a:buNone/>
-            </a:pPr>
-            <a:r>
-              <a:rPr lang="en-US" dirty="0" err="1" smtClean="0"/>
-              <a:t>GLUTDisplay</a:t>
-            </a:r>
-            <a:r>
-              <a:rPr lang="en-US" dirty="0" smtClean="0"/>
-              <a:t>::</a:t>
-            </a:r>
-            <a:r>
-              <a:rPr lang="en-US" dirty="0" err="1" smtClean="0"/>
-              <a:t>setTextShadowColor</a:t>
-            </a:r>
-            <a:r>
-              <a:rPr lang="en-US" dirty="0" smtClean="0"/>
-              <a:t>( make_float3( 0.9f ) );</a:t>
-            </a:r>
-            <a:endParaRPr lang="ru-RU" dirty="0" smtClean="0"/>
-          </a:p>
-          <a:p>
-            <a:pPr>
-              <a:buNone/>
-            </a:pPr>
-            <a:r>
-              <a:rPr lang="en-US" dirty="0" err="1" smtClean="0"/>
-              <a:t>GLUTDisplay</a:t>
-            </a:r>
-            <a:r>
-              <a:rPr lang="en-US" dirty="0" smtClean="0"/>
-              <a:t>::run( "</a:t>
-            </a:r>
-            <a:r>
-              <a:rPr lang="en-US" dirty="0" err="1" smtClean="0"/>
-              <a:t>GlassScene</a:t>
-            </a:r>
-            <a:r>
-              <a:rPr lang="en-US" dirty="0" smtClean="0"/>
-              <a:t>", &amp;scene, </a:t>
-            </a:r>
-            <a:r>
-              <a:rPr lang="en-US" dirty="0" err="1" smtClean="0"/>
-              <a:t>adaptive_aa</a:t>
-            </a:r>
-            <a:r>
-              <a:rPr lang="en-US" dirty="0" smtClean="0"/>
+              <a:rPr lang="en-US" dirty="0" smtClean="0">
+                <a:latin typeface="Times New Roman" pitchFamily="18" charset="0"/>
+                <a:cs typeface="Times New Roman" pitchFamily="18" charset="0"/>
+              </a:rPr>
               <a:t> </a:t>
             </a:r>
             <a:r>
-              <a:rPr lang="en-US" dirty="0" smtClean="0"/>
-              <a:t>? </a:t>
-            </a:r>
-            <a:r>
-              <a:rPr lang="en-US" dirty="0" err="1" smtClean="0"/>
-              <a:t>GLUTDisplay</a:t>
-            </a:r>
-            <a:r>
-              <a:rPr lang="en-US" dirty="0" smtClean="0"/>
-              <a:t>::</a:t>
-            </a:r>
-            <a:r>
-              <a:rPr lang="en-US" dirty="0" err="1" smtClean="0"/>
-              <a:t>CDProgressive</a:t>
-            </a:r>
-            <a:r>
-              <a:rPr lang="en-US" dirty="0" smtClean="0"/>
-              <a:t> : </a:t>
-            </a:r>
-            <a:r>
-              <a:rPr lang="en-US" dirty="0" err="1" smtClean="0"/>
-              <a:t>GLUTDisplay</a:t>
-            </a:r>
-            <a:r>
-              <a:rPr lang="en-US" dirty="0" smtClean="0"/>
-              <a:t>::</a:t>
-            </a:r>
-            <a:r>
-              <a:rPr lang="en-US" dirty="0" err="1" smtClean="0"/>
-              <a:t>CDNone</a:t>
-            </a:r>
-            <a:r>
-              <a:rPr lang="en-US" dirty="0" smtClean="0"/>
-              <a:t> );</a:t>
-            </a:r>
-            <a:endParaRPr lang="ru-RU" dirty="0" smtClean="0"/>
-          </a:p>
-          <a:p>
-            <a:pPr>
-              <a:buNone/>
-            </a:pPr>
-            <a:r>
-              <a:rPr lang="en-US" dirty="0" smtClean="0"/>
-              <a:t>} </a:t>
-            </a:r>
-            <a:endParaRPr lang="en-US" dirty="0" smtClean="0"/>
-          </a:p>
-          <a:p>
-            <a:pPr>
-              <a:buNone/>
-            </a:pPr>
-            <a:r>
-              <a:rPr lang="en-US" dirty="0" smtClean="0"/>
-              <a:t>…</a:t>
-            </a:r>
-          </a:p>
-          <a:p>
-            <a:pPr>
-              <a:buNone/>
-            </a:pPr>
-            <a:r>
-              <a:rPr lang="ru-RU" dirty="0" err="1" smtClean="0"/>
-              <a:t>return</a:t>
-            </a:r>
-            <a:r>
-              <a:rPr lang="ru-RU" dirty="0" smtClean="0"/>
-              <a:t> 0;</a:t>
-            </a:r>
-          </a:p>
-          <a:p>
-            <a:pPr>
-              <a:buNone/>
-            </a:pPr>
-            <a:r>
-              <a:rPr lang="ru-RU" dirty="0" smtClean="0"/>
-              <a:t>}</a:t>
-            </a:r>
-          </a:p>
-          <a:p>
-            <a:pPr>
-              <a:buNone/>
-            </a:pPr>
-            <a:endParaRPr lang="ru-RU" dirty="0" smtClean="0"/>
+              <a:rPr lang="en-US" dirty="0" err="1" smtClean="0">
+                <a:latin typeface="Times New Roman" pitchFamily="18" charset="0"/>
+                <a:cs typeface="Times New Roman" pitchFamily="18" charset="0"/>
+              </a:rPr>
+              <a:t>bool</a:t>
+            </a:r>
+            <a:r>
+              <a:rPr lang="en-US" dirty="0" smtClean="0">
+                <a:latin typeface="Times New Roman" pitchFamily="18" charset="0"/>
+                <a:cs typeface="Times New Roman" pitchFamily="18" charset="0"/>
+              </a:rPr>
+              <a:t> </a:t>
+            </a:r>
+            <a:r>
+              <a:rPr lang="en-US" dirty="0" err="1" smtClean="0">
+                <a:latin typeface="Times New Roman" pitchFamily="18" charset="0"/>
+                <a:cs typeface="Times New Roman" pitchFamily="18" charset="0"/>
+              </a:rPr>
+              <a:t>keyPressed</a:t>
+            </a:r>
+            <a:r>
+              <a:rPr lang="en-US" dirty="0" smtClean="0">
+                <a:latin typeface="Times New Roman" pitchFamily="18" charset="0"/>
+                <a:cs typeface="Times New Roman" pitchFamily="18" charset="0"/>
+              </a:rPr>
+              <a:t>(unsigned char key, </a:t>
+            </a:r>
+            <a:r>
+              <a:rPr lang="en-US" dirty="0" err="1" smtClean="0">
+                <a:latin typeface="Times New Roman" pitchFamily="18" charset="0"/>
+                <a:cs typeface="Times New Roman" pitchFamily="18" charset="0"/>
+              </a:rPr>
+              <a:t>int</a:t>
+            </a:r>
+            <a:r>
+              <a:rPr lang="en-US" dirty="0" smtClean="0">
+                <a:latin typeface="Times New Roman" pitchFamily="18" charset="0"/>
+                <a:cs typeface="Times New Roman" pitchFamily="18" charset="0"/>
+              </a:rPr>
+              <a:t> x, </a:t>
+            </a:r>
+            <a:r>
+              <a:rPr lang="en-US" dirty="0" err="1" smtClean="0">
+                <a:latin typeface="Times New Roman" pitchFamily="18" charset="0"/>
+                <a:cs typeface="Times New Roman" pitchFamily="18" charset="0"/>
+              </a:rPr>
+              <a:t>int</a:t>
+            </a:r>
+            <a:r>
+              <a:rPr lang="en-US" dirty="0" smtClean="0">
+                <a:latin typeface="Times New Roman" pitchFamily="18" charset="0"/>
+                <a:cs typeface="Times New Roman" pitchFamily="18" charset="0"/>
+              </a:rPr>
+              <a:t> y);</a:t>
+            </a:r>
+            <a:endParaRPr lang="ru-RU" dirty="0" smtClean="0">
+              <a:latin typeface="Times New Roman" pitchFamily="18" charset="0"/>
+              <a:cs typeface="Times New Roman" pitchFamily="18" charset="0"/>
+            </a:endParaRPr>
           </a:p>
           <a:p>
             <a:endParaRPr lang="ru-RU" dirty="0"/>
@@ -6777,4 +8018,287 @@
   <a:objectDefaults/>
   <a:extraClrSchemeLst/>
 </a:theme>
+</file>
+
+<file path=ppt/theme/theme2.xml><?xml version="1.0" encoding="utf-8"?>
+<a:theme xmlns:a="http://schemas.openxmlformats.org/drawingml/2006/main" name="Тема Office">
+  <a:themeElements>
+    <a:clrScheme name="Стандартная">
+      <a:dk1>
+        <a:sysClr val="windowText" lastClr="000000"/>
+      </a:dk1>
+      <a:lt1>
+        <a:sysClr val="window" lastClr="FFFFFF"/>
+      </a:lt1>
+      <a:dk2>
+        <a:srgbClr val="1F497D"/>
+      </a:dk2>
+      <a:lt2>
+        <a:srgbClr val="EEECE1"/>
+      </a:lt2>
+      <a:accent1>
+        <a:srgbClr val="4F81BD"/>
+      </a:accent1>
+      <a:accent2>
+        <a:srgbClr val="C0504D"/>
+      </a:accent2>
+      <a:accent3>
+        <a:srgbClr val="9BBB59"/>
+      </a:accent3>
+      <a:accent4>
+        <a:srgbClr val="8064A2"/>
+      </a:accent4>
+      <a:accent5>
+        <a:srgbClr val="4BACC6"/>
+      </a:accent5>
+      <a:accent6>
+        <a:srgbClr val="F79646"/>
+      </a:accent6>
+      <a:hlink>
+        <a:srgbClr val="0000FF"/>
+      </a:hlink>
+      <a:folHlink>
+        <a:srgbClr val="800080"/>
+      </a:folHlink>
+    </a:clrScheme>
+    <a:fontScheme name="Стандартная">
+      <a:majorFont>
+        <a:latin typeface="Calibri"/>
+        <a:ea typeface=""/>
+        <a:cs typeface=""/>
+        <a:font script="Jpan" typeface="ＭＳ Ｐゴシック"/>
+        <a:font script="Hang" typeface="맑은 고딕"/>
+        <a:font script="Hans" typeface="宋体"/>
+        <a:font script="Hant" typeface="新細明體"/>
+        <a:font script="Arab" typeface="Times New Roman"/>
+        <a:font script="Hebr" typeface="Times New Roman"/>
+        <a:font script="Thai" typeface="Angsana New"/>
+        <a:font script="Ethi" typeface="Nyala"/>
+        <a:font script="Beng" typeface="Vrinda"/>
+        <a:font script="Gujr" typeface="Shruti"/>
+        <a:font script="Khmr" typeface="MoolBoran"/>
+        <a:font script="Knda" typeface="Tunga"/>
+        <a:font script="Guru" typeface="Raavi"/>
+        <a:font script="Cans" typeface="Euphemia"/>
+        <a:font script="Cher" typeface="Plantagenet Cherokee"/>
+        <a:font script="Yiii" typeface="Microsoft Yi Baiti"/>
+        <a:font script="Tibt" typeface="Microsoft Himalaya"/>
+        <a:font script="Thaa" typeface="MV Boli"/>
+        <a:font script="Deva" typeface="Mangal"/>
+        <a:font script="Telu" typeface="Gautami"/>
+        <a:font script="Taml" typeface="Latha"/>
+        <a:font script="Syrc" typeface="Estrangelo Edessa"/>
+        <a:font script="Orya" typeface="Kalinga"/>
+        <a:font script="Mlym" typeface="Kartika"/>
+        <a:font script="Laoo" typeface="DokChampa"/>
+        <a:font script="Sinh" typeface="Iskoola Pota"/>
+        <a:font script="Mong" typeface="Mongolian Baiti"/>
+        <a:font script="Viet" typeface="Times New Roman"/>
+        <a:font script="Uigh" typeface="Microsoft Uighur"/>
+      </a:majorFont>
+      <a:minorFont>
+        <a:latin typeface="Calibri"/>
+        <a:ea typeface=""/>
+        <a:cs typeface=""/>
+        <a:font script="Jpan" typeface="ＭＳ Ｐゴシック"/>
+        <a:font script="Hang" typeface="맑은 고딕"/>
+        <a:font script="Hans" typeface="宋体"/>
+        <a:font script="Hant" typeface="新細明體"/>
+        <a:font script="Arab" typeface="Arial"/>
+        <a:font script="Hebr" typeface="Arial"/>
+        <a:font script="Thai" typeface="Cordia New"/>
+        <a:font script="Ethi" typeface="Nyala"/>
+        <a:font script="Beng" typeface="Vrinda"/>
+        <a:font script="Gujr" typeface="Shruti"/>
+        <a:font script="Khmr" typeface="DaunPenh"/>
+        <a:font script="Knda" typeface="Tunga"/>
+        <a:font script="Guru" typeface="Raavi"/>
+        <a:font script="Cans" typeface="Euphemia"/>
+        <a:font script="Cher" typeface="Plantagenet Cherokee"/>
+        <a:font script="Yiii" typeface="Microsoft Yi Baiti"/>
+        <a:font script="Tibt" typeface="Microsoft Himalaya"/>
+        <a:font script="Thaa" typeface="MV Boli"/>
+        <a:font script="Deva" typeface="Mangal"/>
+        <a:font script="Telu" typeface="Gautami"/>
+        <a:font script="Taml" typeface="Latha"/>
+        <a:font script="Syrc" typeface="Estrangelo Edessa"/>
+        <a:font script="Orya" typeface="Kalinga"/>
+        <a:font script="Mlym" typeface="Kartika"/>
+        <a:font script="Laoo" typeface="DokChampa"/>
+        <a:font script="Sinh" typeface="Iskoola Pota"/>
+        <a:font script="Mong" typeface="Mongolian Baiti"/>
+        <a:font script="Viet" typeface="Arial"/>
+        <a:font script="Uigh" typeface="Microsoft Uighur"/>
+      </a:minorFont>
+    </a:fontScheme>
+    <a:fmtScheme name="Стандартная">
+      <a:fillStyleLst>
+        <a:solidFill>
+          <a:schemeClr val="phClr"/>
+        </a:solidFill>
+        <a:gradFill rotWithShape="1">
+          <a:gsLst>
+            <a:gs pos="0">
+              <a:schemeClr val="phClr">
+                <a:tint val="50000"/>
+                <a:satMod val="300000"/>
+              </a:schemeClr>
+            </a:gs>
+            <a:gs pos="35000">
+              <a:schemeClr val="phClr">
+                <a:tint val="37000"/>
+                <a:satMod val="300000"/>
+              </a:schemeClr>
+            </a:gs>
+            <a:gs pos="100000">
+              <a:schemeClr val="phClr">
+                <a:tint val="15000"/>
+                <a:satMod val="350000"/>
+              </a:schemeClr>
+            </a:gs>
+          </a:gsLst>
+          <a:lin ang="16200000" scaled="1"/>
+        </a:gradFill>
+        <a:gradFill rotWithShape="1">
+          <a:gsLst>
+            <a:gs pos="0">
+              <a:schemeClr val="phClr">
+                <a:shade val="51000"/>
+                <a:satMod val="130000"/>
+              </a:schemeClr>
+            </a:gs>
+            <a:gs pos="80000">
+              <a:schemeClr val="phClr">
+                <a:shade val="93000"/>
+                <a:satMod val="130000"/>
+              </a:schemeClr>
+            </a:gs>
+            <a:gs pos="100000">
+              <a:schemeClr val="phClr">
+                <a:shade val="94000"/>
+                <a:satMod val="135000"/>
+              </a:schemeClr>
+            </a:gs>
+          </a:gsLst>
+          <a:lin ang="16200000" scaled="0"/>
+        </a:gradFill>
+      </a:fillStyleLst>
+      <a:lnStyleLst>
+        <a:ln w="9525" cap="flat" cmpd="sng" algn="ctr">
+          <a:solidFill>
+            <a:schemeClr val="phClr">
+              <a:shade val="95000"/>
+              <a:satMod val="105000"/>
+            </a:schemeClr>
+          </a:solidFill>
+          <a:prstDash val="solid"/>
+        </a:ln>
+        <a:ln w="25400" cap="flat" cmpd="sng" algn="ctr">
+          <a:solidFill>
+            <a:schemeClr val="phClr"/>
+          </a:solidFill>
+          <a:prstDash val="solid"/>
+        </a:ln>
+        <a:ln w="38100" cap="flat" cmpd="sng" algn="ctr">
+          <a:solidFill>
+            <a:schemeClr val="phClr"/>
+          </a:solidFill>
+          <a:prstDash val="solid"/>
+        </a:ln>
+      </a:lnStyleLst>
+      <a:effectStyleLst>
+        <a:effectStyle>
+          <a:effectLst>
+            <a:outerShdw blurRad="40000" dist="20000" dir="5400000" rotWithShape="0">
+              <a:srgbClr val="000000">
+                <a:alpha val="38000"/>
+              </a:srgbClr>
+            </a:outerShdw>
+          </a:effectLst>
+        </a:effectStyle>
+        <a:effectStyle>
+          <a:effectLst>
+            <a:outerShdw blurRad="40000" dist="23000" dir="5400000" rotWithShape="0">
+              <a:srgbClr val="000000">
+                <a:alpha val="35000"/>
+              </a:srgbClr>
+            </a:outerShdw>
+          </a:effectLst>
+        </a:effectStyle>
+        <a:effectStyle>
+          <a:effectLst>
+            <a:outerShdw blurRad="40000" dist="23000" dir="5400000" rotWithShape="0">
+              <a:srgbClr val="000000">
+                <a:alpha val="35000"/>
+              </a:srgbClr>
+            </a:outerShdw>
+          </a:effectLst>
+          <a:scene3d>
+            <a:camera prst="orthographicFront">
+              <a:rot lat="0" lon="0" rev="0"/>
+            </a:camera>
+            <a:lightRig rig="threePt" dir="t">
+              <a:rot lat="0" lon="0" rev="1200000"/>
+            </a:lightRig>
+          </a:scene3d>
+          <a:sp3d>
+            <a:bevelT w="63500" h="25400"/>
+          </a:sp3d>
+        </a:effectStyle>
+      </a:effectStyleLst>
+      <a:bgFillStyleLst>
+        <a:solidFill>
+          <a:schemeClr val="phClr"/>
+        </a:solidFill>
+        <a:gradFill rotWithShape="1">
+          <a:gsLst>
+            <a:gs pos="0">
+              <a:schemeClr val="phClr">
+                <a:tint val="40000"/>
+                <a:satMod val="350000"/>
+              </a:schemeClr>
+            </a:gs>
+            <a:gs pos="40000">
+              <a:schemeClr val="phClr">
+                <a:tint val="45000"/>
+                <a:shade val="99000"/>
+                <a:satMod val="350000"/>
+              </a:schemeClr>
+            </a:gs>
+            <a:gs pos="100000">
+              <a:schemeClr val="phClr">
+                <a:shade val="20000"/>
+                <a:satMod val="255000"/>
+              </a:schemeClr>
+            </a:gs>
+          </a:gsLst>
+          <a:path path="circle">
+            <a:fillToRect l="50000" t="-80000" r="50000" b="180000"/>
+          </a:path>
+        </a:gradFill>
+        <a:gradFill rotWithShape="1">
+          <a:gsLst>
+            <a:gs pos="0">
+              <a:schemeClr val="phClr">
+                <a:tint val="80000"/>
+                <a:satMod val="300000"/>
+              </a:schemeClr>
+            </a:gs>
+            <a:gs pos="100000">
+              <a:schemeClr val="phClr">
+                <a:shade val="30000"/>
+                <a:satMod val="200000"/>
+              </a:schemeClr>
+            </a:gs>
+          </a:gsLst>
+          <a:path path="circle">
+            <a:fillToRect l="50000" t="50000" r="50000" b="50000"/>
+          </a:path>
+        </a:gradFill>
+      </a:bgFillStyleLst>
+    </a:fmtScheme>
+  </a:themeElements>
+  <a:objectDefaults/>
+  <a:extraClrSchemeLst/>
+</a:theme>
 </file>
--- a/Report/presentation.pptx
+++ b/Report/presentation.pptx
@@ -5152,7 +5152,7 @@
               <a:t>К</a:t>
             </a:r>
             <a:r>
-              <a:rPr lang="ru-RU" smtClean="0"/>
+              <a:rPr lang="ru-RU" dirty="0" err="1" smtClean="0"/>
               <a:t>ласстеризованный</a:t>
             </a:r>
             <a:r>
@@ -6718,6 +6718,10 @@
           <a:bodyPr/>
           <a:lstStyle/>
           <a:p>
+            <a:r>
+              <a:rPr lang="ru-RU" smtClean="0"/>
+              <a:t>Объектная модель</a:t>
+            </a:r>
             <a:endParaRPr lang="ru-RU"/>
           </a:p>
         </p:txBody>
